--- a/assets/reports/20201012_makeGT.pptx
+++ b/assets/reports/20201012_makeGT.pptx
@@ -6,10 +6,10 @@
     <p:sldMasterId id="2147483660" r:id="rId2"/>
   </p:sldMasterIdLst>
   <p:notesMasterIdLst>
-    <p:notesMasterId r:id="rId12"/>
+    <p:notesMasterId r:id="rId13"/>
   </p:notesMasterIdLst>
   <p:handoutMasterIdLst>
-    <p:handoutMasterId r:id="rId13"/>
+    <p:handoutMasterId r:id="rId14"/>
   </p:handoutMasterIdLst>
   <p:sldIdLst>
     <p:sldId id="256" r:id="rId3"/>
@@ -21,6 +21,7 @@
     <p:sldId id="267" r:id="rId9"/>
     <p:sldId id="268" r:id="rId10"/>
     <p:sldId id="269" r:id="rId11"/>
+    <p:sldId id="270" r:id="rId12"/>
   </p:sldIdLst>
   <p:sldSz cx="12192000" cy="6858000"/>
   <p:notesSz cx="6858000" cy="9144000"/>
@@ -177,10 +178,9 @@
           </a:lstStyle>
           <a:p>
             <a:r>
-              <a:rPr lang="en-US" smtClean="0"/>
+              <a:rPr lang="en-US"/>
               <a:t>Building Vectorization</a:t>
             </a:r>
-            <a:endParaRPr lang="en-US"/>
           </a:p>
         </p:txBody>
       </p:sp>
@@ -213,7 +213,7 @@
           <a:p>
             <a:fld id="{B4F92756-C5E1-414C-8D5B-61B7E77715E2}" type="datetimeFigureOut">
               <a:rPr lang="en-US" smtClean="0"/>
-              <a:t>10/11/2020</a:t>
+              <a:t>10/12/2020</a:t>
             </a:fld>
             <a:endParaRPr lang="en-US"/>
           </a:p>
@@ -347,10 +347,9 @@
           </a:lstStyle>
           <a:p>
             <a:r>
-              <a:rPr lang="en-US" smtClean="0"/>
+              <a:rPr lang="en-US"/>
               <a:t>Building Vectorization</a:t>
             </a:r>
-            <a:endParaRPr lang="en-US"/>
           </a:p>
         </p:txBody>
       </p:sp>
@@ -383,7 +382,7 @@
           <a:p>
             <a:fld id="{DBA1148A-302C-4EB9-A1FB-86FEBAF3649D}" type="datetimeFigureOut">
               <a:rPr lang="en-US" smtClean="0"/>
-              <a:t>10/11/2020</a:t>
+              <a:t>10/12/2020</a:t>
             </a:fld>
             <a:endParaRPr lang="en-US"/>
           </a:p>
@@ -447,38 +446,37 @@
           <a:p>
             <a:pPr lvl="0"/>
             <a:r>
-              <a:rPr lang="en-US" smtClean="0"/>
+              <a:rPr lang="en-US"/>
               <a:t>Edit Master text styles</a:t>
             </a:r>
           </a:p>
           <a:p>
             <a:pPr lvl="1"/>
             <a:r>
-              <a:rPr lang="en-US" smtClean="0"/>
+              <a:rPr lang="en-US"/>
               <a:t>Second level</a:t>
             </a:r>
           </a:p>
           <a:p>
             <a:pPr lvl="2"/>
             <a:r>
-              <a:rPr lang="en-US" smtClean="0"/>
+              <a:rPr lang="en-US"/>
               <a:t>Third level</a:t>
             </a:r>
           </a:p>
           <a:p>
             <a:pPr lvl="3"/>
             <a:r>
-              <a:rPr lang="en-US" smtClean="0"/>
+              <a:rPr lang="en-US"/>
               <a:t>Fourth level</a:t>
             </a:r>
           </a:p>
           <a:p>
             <a:pPr lvl="4"/>
             <a:r>
-              <a:rPr lang="en-US" smtClean="0"/>
+              <a:rPr lang="en-US"/>
               <a:t>Fifth level</a:t>
             </a:r>
-            <a:endParaRPr lang="en-US"/>
           </a:p>
         </p:txBody>
       </p:sp>
@@ -694,10 +692,9 @@
           </a:lstStyle>
           <a:p>
             <a:r>
-              <a:rPr lang="en-US" smtClean="0"/>
+              <a:rPr lang="en-US"/>
               <a:t>Click to edit Master title style</a:t>
             </a:r>
-            <a:endParaRPr lang="en-US"/>
           </a:p>
         </p:txBody>
       </p:sp>
@@ -759,10 +756,9 @@
           </a:lstStyle>
           <a:p>
             <a:r>
-              <a:rPr lang="en-US" smtClean="0"/>
+              <a:rPr lang="en-US"/>
               <a:t>Click to edit Master subtitle style</a:t>
             </a:r>
-            <a:endParaRPr lang="en-US"/>
           </a:p>
         </p:txBody>
       </p:sp>
@@ -799,13 +795,6 @@
   <p:clrMapOvr>
     <a:masterClrMapping/>
   </p:clrMapOvr>
-  <p:timing>
-    <p:tnLst>
-      <p:par>
-        <p:cTn id="1" dur="indefinite" restart="never" nodeType="tmRoot"/>
-      </p:par>
-    </p:tnLst>
-  </p:timing>
 </p:sldLayout>
 </file>
 
@@ -842,10 +831,9 @@
           <a:lstStyle/>
           <a:p>
             <a:r>
-              <a:rPr lang="en-US" smtClean="0"/>
+              <a:rPr lang="en-US"/>
               <a:t>Click to edit Master title style</a:t>
             </a:r>
-            <a:endParaRPr lang="en-US"/>
           </a:p>
         </p:txBody>
       </p:sp>
@@ -866,38 +854,37 @@
           <a:p>
             <a:pPr lvl="0"/>
             <a:r>
-              <a:rPr lang="en-US" smtClean="0"/>
+              <a:rPr lang="en-US"/>
               <a:t>Edit Master text styles</a:t>
             </a:r>
           </a:p>
           <a:p>
             <a:pPr lvl="1"/>
             <a:r>
-              <a:rPr lang="en-US" smtClean="0"/>
+              <a:rPr lang="en-US"/>
               <a:t>Second level</a:t>
             </a:r>
           </a:p>
           <a:p>
             <a:pPr lvl="2"/>
             <a:r>
-              <a:rPr lang="en-US" smtClean="0"/>
+              <a:rPr lang="en-US"/>
               <a:t>Third level</a:t>
             </a:r>
           </a:p>
           <a:p>
             <a:pPr lvl="3"/>
             <a:r>
-              <a:rPr lang="en-US" smtClean="0"/>
+              <a:rPr lang="en-US"/>
               <a:t>Fourth level</a:t>
             </a:r>
           </a:p>
           <a:p>
             <a:pPr lvl="4"/>
             <a:r>
-              <a:rPr lang="en-US" smtClean="0"/>
+              <a:rPr lang="en-US"/>
               <a:t>Fifth level</a:t>
             </a:r>
-            <a:endParaRPr lang="en-US"/>
           </a:p>
         </p:txBody>
       </p:sp>
@@ -926,7 +913,7 @@
           <a:p>
             <a:fld id="{D297983E-23AF-46F8-876A-BC580C1FAACC}" type="datetime1">
               <a:rPr lang="en-US" smtClean="0"/>
-              <a:t>10/11/2020</a:t>
+              <a:t>10/12/2020</a:t>
             </a:fld>
             <a:endParaRPr lang="en-US"/>
           </a:p>
@@ -1033,10 +1020,9 @@
           <a:lstStyle/>
           <a:p>
             <a:r>
-              <a:rPr lang="en-US" smtClean="0"/>
+              <a:rPr lang="en-US"/>
               <a:t>Click to edit Master title style</a:t>
             </a:r>
-            <a:endParaRPr lang="en-US"/>
           </a:p>
         </p:txBody>
       </p:sp>
@@ -1062,38 +1048,37 @@
           <a:p>
             <a:pPr lvl="0"/>
             <a:r>
-              <a:rPr lang="en-US" smtClean="0"/>
+              <a:rPr lang="en-US"/>
               <a:t>Edit Master text styles</a:t>
             </a:r>
           </a:p>
           <a:p>
             <a:pPr lvl="1"/>
             <a:r>
-              <a:rPr lang="en-US" smtClean="0"/>
+              <a:rPr lang="en-US"/>
               <a:t>Second level</a:t>
             </a:r>
           </a:p>
           <a:p>
             <a:pPr lvl="2"/>
             <a:r>
-              <a:rPr lang="en-US" smtClean="0"/>
+              <a:rPr lang="en-US"/>
               <a:t>Third level</a:t>
             </a:r>
           </a:p>
           <a:p>
             <a:pPr lvl="3"/>
             <a:r>
-              <a:rPr lang="en-US" smtClean="0"/>
+              <a:rPr lang="en-US"/>
               <a:t>Fourth level</a:t>
             </a:r>
           </a:p>
           <a:p>
             <a:pPr lvl="4"/>
             <a:r>
-              <a:rPr lang="en-US" smtClean="0"/>
+              <a:rPr lang="en-US"/>
               <a:t>Fifth level</a:t>
             </a:r>
-            <a:endParaRPr lang="en-US"/>
           </a:p>
         </p:txBody>
       </p:sp>
@@ -1122,7 +1107,7 @@
           <a:p>
             <a:fld id="{52A45906-4D2D-4E18-B9FE-9E3145B39EAE}" type="datetime1">
               <a:rPr lang="en-US" smtClean="0"/>
-              <a:t>10/11/2020</a:t>
+              <a:t>10/12/2020</a:t>
             </a:fld>
             <a:endParaRPr lang="en-US"/>
           </a:p>
@@ -3704,10 +3689,9 @@
           <a:lstStyle/>
           <a:p>
             <a:r>
-              <a:rPr lang="en-US" smtClean="0"/>
+              <a:rPr lang="en-US"/>
               <a:t>Click to edit Master title style</a:t>
             </a:r>
-            <a:endParaRPr lang="en-US"/>
           </a:p>
         </p:txBody>
       </p:sp>
@@ -3728,38 +3712,37 @@
           <a:p>
             <a:pPr lvl="0"/>
             <a:r>
-              <a:rPr lang="en-US" smtClean="0"/>
+              <a:rPr lang="en-US"/>
               <a:t>Edit Master text styles</a:t>
             </a:r>
           </a:p>
           <a:p>
             <a:pPr lvl="1"/>
             <a:r>
-              <a:rPr lang="en-US" smtClean="0"/>
+              <a:rPr lang="en-US"/>
               <a:t>Second level</a:t>
             </a:r>
           </a:p>
           <a:p>
             <a:pPr lvl="2"/>
             <a:r>
-              <a:rPr lang="en-US" smtClean="0"/>
+              <a:rPr lang="en-US"/>
               <a:t>Third level</a:t>
             </a:r>
           </a:p>
           <a:p>
             <a:pPr lvl="3"/>
             <a:r>
-              <a:rPr lang="en-US" smtClean="0"/>
+              <a:rPr lang="en-US"/>
               <a:t>Fourth level</a:t>
             </a:r>
           </a:p>
           <a:p>
             <a:pPr lvl="4"/>
             <a:r>
-              <a:rPr lang="en-US" smtClean="0"/>
+              <a:rPr lang="en-US"/>
               <a:t>Fifth level</a:t>
             </a:r>
-            <a:endParaRPr lang="en-US"/>
           </a:p>
         </p:txBody>
       </p:sp>
@@ -3796,13 +3779,6 @@
   <p:clrMapOvr>
     <a:masterClrMapping/>
   </p:clrMapOvr>
-  <p:timing>
-    <p:tnLst>
-      <p:par>
-        <p:cTn id="1" dur="indefinite" restart="never" nodeType="tmRoot"/>
-      </p:par>
-    </p:tnLst>
-  </p:timing>
 </p:sldLayout>
 </file>
 
@@ -7285,10 +7261,9 @@
           </a:lstStyle>
           <a:p>
             <a:r>
-              <a:rPr lang="en-US" smtClean="0"/>
+              <a:rPr lang="en-US"/>
               <a:t>Click to edit Master title style</a:t>
             </a:r>
-            <a:endParaRPr lang="en-US"/>
           </a:p>
         </p:txBody>
       </p:sp>
@@ -7405,7 +7380,7 @@
           <a:p>
             <a:pPr lvl="0"/>
             <a:r>
-              <a:rPr lang="en-US" smtClean="0"/>
+              <a:rPr lang="en-US"/>
               <a:t>Edit Master text styles</a:t>
             </a:r>
           </a:p>
@@ -7436,7 +7411,7 @@
           <a:p>
             <a:fld id="{456A3C91-B8C5-425F-9BFC-06B81986C584}" type="datetime1">
               <a:rPr lang="en-US" smtClean="0"/>
-              <a:t>10/11/2020</a:t>
+              <a:t>10/12/2020</a:t>
             </a:fld>
             <a:endParaRPr lang="en-US"/>
           </a:p>
@@ -7516,13 +7491,6 @@
   <p:clrMapOvr>
     <a:masterClrMapping/>
   </p:clrMapOvr>
-  <p:timing>
-    <p:tnLst>
-      <p:par>
-        <p:cTn id="1" dur="indefinite" restart="never" nodeType="tmRoot"/>
-      </p:par>
-    </p:tnLst>
-  </p:timing>
 </p:sldLayout>
 </file>
 
@@ -8578,10 +8546,9 @@
           <a:lstStyle/>
           <a:p>
             <a:r>
-              <a:rPr lang="en-US" smtClean="0"/>
+              <a:rPr lang="en-US"/>
               <a:t>Click to edit Master title style</a:t>
             </a:r>
-            <a:endParaRPr lang="en-US"/>
           </a:p>
         </p:txBody>
       </p:sp>
@@ -8607,38 +8574,37 @@
           <a:p>
             <a:pPr lvl="0"/>
             <a:r>
-              <a:rPr lang="en-US" smtClean="0"/>
+              <a:rPr lang="en-US"/>
               <a:t>Edit Master text styles</a:t>
             </a:r>
           </a:p>
           <a:p>
             <a:pPr lvl="1"/>
             <a:r>
-              <a:rPr lang="en-US" smtClean="0"/>
+              <a:rPr lang="en-US"/>
               <a:t>Second level</a:t>
             </a:r>
           </a:p>
           <a:p>
             <a:pPr lvl="2"/>
             <a:r>
-              <a:rPr lang="en-US" smtClean="0"/>
+              <a:rPr lang="en-US"/>
               <a:t>Third level</a:t>
             </a:r>
           </a:p>
           <a:p>
             <a:pPr lvl="3"/>
             <a:r>
-              <a:rPr lang="en-US" smtClean="0"/>
+              <a:rPr lang="en-US"/>
               <a:t>Fourth level</a:t>
             </a:r>
           </a:p>
           <a:p>
             <a:pPr lvl="4"/>
             <a:r>
-              <a:rPr lang="en-US" smtClean="0"/>
+              <a:rPr lang="en-US"/>
               <a:t>Fifth level</a:t>
             </a:r>
-            <a:endParaRPr lang="en-US"/>
           </a:p>
         </p:txBody>
       </p:sp>
@@ -8664,38 +8630,37 @@
           <a:p>
             <a:pPr lvl="0"/>
             <a:r>
-              <a:rPr lang="en-US" smtClean="0"/>
+              <a:rPr lang="en-US"/>
               <a:t>Edit Master text styles</a:t>
             </a:r>
           </a:p>
           <a:p>
             <a:pPr lvl="1"/>
             <a:r>
-              <a:rPr lang="en-US" smtClean="0"/>
+              <a:rPr lang="en-US"/>
               <a:t>Second level</a:t>
             </a:r>
           </a:p>
           <a:p>
             <a:pPr lvl="2"/>
             <a:r>
-              <a:rPr lang="en-US" smtClean="0"/>
+              <a:rPr lang="en-US"/>
               <a:t>Third level</a:t>
             </a:r>
           </a:p>
           <a:p>
             <a:pPr lvl="3"/>
             <a:r>
-              <a:rPr lang="en-US" smtClean="0"/>
+              <a:rPr lang="en-US"/>
               <a:t>Fourth level</a:t>
             </a:r>
           </a:p>
           <a:p>
             <a:pPr lvl="4"/>
             <a:r>
-              <a:rPr lang="en-US" smtClean="0"/>
+              <a:rPr lang="en-US"/>
               <a:t>Fifth level</a:t>
             </a:r>
-            <a:endParaRPr lang="en-US"/>
           </a:p>
         </p:txBody>
       </p:sp>
@@ -8724,7 +8689,7 @@
           <a:p>
             <a:fld id="{A9D1A30E-DE6B-4770-8757-4DEC6351863C}" type="datetime1">
               <a:rPr lang="en-US" smtClean="0"/>
-              <a:t>10/11/2020</a:t>
+              <a:t>10/12/2020</a:t>
             </a:fld>
             <a:endParaRPr lang="en-US" dirty="0"/>
           </a:p>
@@ -8831,10 +8796,9 @@
           <a:lstStyle/>
           <a:p>
             <a:r>
-              <a:rPr lang="en-US" smtClean="0"/>
+              <a:rPr lang="en-US"/>
               <a:t>Click to edit Master title style</a:t>
             </a:r>
-            <a:endParaRPr lang="en-US"/>
           </a:p>
         </p:txBody>
       </p:sp>
@@ -8897,7 +8861,7 @@
           <a:p>
             <a:pPr lvl="0"/>
             <a:r>
-              <a:rPr lang="en-US" smtClean="0"/>
+              <a:rPr lang="en-US"/>
               <a:t>Edit Master text styles</a:t>
             </a:r>
           </a:p>
@@ -8925,38 +8889,37 @@
           <a:p>
             <a:pPr lvl="0"/>
             <a:r>
-              <a:rPr lang="en-US" smtClean="0"/>
+              <a:rPr lang="en-US"/>
               <a:t>Edit Master text styles</a:t>
             </a:r>
           </a:p>
           <a:p>
             <a:pPr lvl="1"/>
             <a:r>
-              <a:rPr lang="en-US" smtClean="0"/>
+              <a:rPr lang="en-US"/>
               <a:t>Second level</a:t>
             </a:r>
           </a:p>
           <a:p>
             <a:pPr lvl="2"/>
             <a:r>
-              <a:rPr lang="en-US" smtClean="0"/>
+              <a:rPr lang="en-US"/>
               <a:t>Third level</a:t>
             </a:r>
           </a:p>
           <a:p>
             <a:pPr lvl="3"/>
             <a:r>
-              <a:rPr lang="en-US" smtClean="0"/>
+              <a:rPr lang="en-US"/>
               <a:t>Fourth level</a:t>
             </a:r>
           </a:p>
           <a:p>
             <a:pPr lvl="4"/>
             <a:r>
-              <a:rPr lang="en-US" smtClean="0"/>
+              <a:rPr lang="en-US"/>
               <a:t>Fifth level</a:t>
             </a:r>
-            <a:endParaRPr lang="en-US"/>
           </a:p>
         </p:txBody>
       </p:sp>
@@ -9019,7 +8982,7 @@
           <a:p>
             <a:pPr lvl="0"/>
             <a:r>
-              <a:rPr lang="en-US" smtClean="0"/>
+              <a:rPr lang="en-US"/>
               <a:t>Edit Master text styles</a:t>
             </a:r>
           </a:p>
@@ -9047,38 +9010,37 @@
           <a:p>
             <a:pPr lvl="0"/>
             <a:r>
-              <a:rPr lang="en-US" smtClean="0"/>
+              <a:rPr lang="en-US"/>
               <a:t>Edit Master text styles</a:t>
             </a:r>
           </a:p>
           <a:p>
             <a:pPr lvl="1"/>
             <a:r>
-              <a:rPr lang="en-US" smtClean="0"/>
+              <a:rPr lang="en-US"/>
               <a:t>Second level</a:t>
             </a:r>
           </a:p>
           <a:p>
             <a:pPr lvl="2"/>
             <a:r>
-              <a:rPr lang="en-US" smtClean="0"/>
+              <a:rPr lang="en-US"/>
               <a:t>Third level</a:t>
             </a:r>
           </a:p>
           <a:p>
             <a:pPr lvl="3"/>
             <a:r>
-              <a:rPr lang="en-US" smtClean="0"/>
+              <a:rPr lang="en-US"/>
               <a:t>Fourth level</a:t>
             </a:r>
           </a:p>
           <a:p>
             <a:pPr lvl="4"/>
             <a:r>
-              <a:rPr lang="en-US" smtClean="0"/>
+              <a:rPr lang="en-US"/>
               <a:t>Fifth level</a:t>
             </a:r>
-            <a:endParaRPr lang="en-US"/>
           </a:p>
         </p:txBody>
       </p:sp>
@@ -9107,7 +9069,7 @@
           <a:p>
             <a:fld id="{71060DF7-3B66-43F4-ABA6-8DE1125C1915}" type="datetime1">
               <a:rPr lang="en-US" smtClean="0"/>
-              <a:t>10/11/2020</a:t>
+              <a:t>10/12/2020</a:t>
             </a:fld>
             <a:endParaRPr lang="en-US"/>
           </a:p>
@@ -9209,10 +9171,9 @@
           <a:lstStyle/>
           <a:p>
             <a:r>
-              <a:rPr lang="en-US" smtClean="0"/>
+              <a:rPr lang="en-US"/>
               <a:t>Click to edit Master title style</a:t>
             </a:r>
-            <a:endParaRPr lang="en-US"/>
           </a:p>
         </p:txBody>
       </p:sp>
@@ -9241,7 +9202,7 @@
           <a:p>
             <a:fld id="{9F8FB16D-8B03-47E2-9BF4-98200CBA3CA6}" type="datetime1">
               <a:rPr lang="en-US" smtClean="0"/>
-              <a:t>10/11/2020</a:t>
+              <a:t>10/12/2020</a:t>
             </a:fld>
             <a:endParaRPr lang="en-US"/>
           </a:p>
@@ -9352,7 +9313,7 @@
           <a:p>
             <a:fld id="{A7875D1E-13AE-46BB-8C89-5C78B94C366E}" type="datetime1">
               <a:rPr lang="en-US" smtClean="0"/>
-              <a:t>10/11/2020</a:t>
+              <a:t>10/12/2020</a:t>
             </a:fld>
             <a:endParaRPr lang="en-US"/>
           </a:p>
@@ -9463,10 +9424,9 @@
           </a:lstStyle>
           <a:p>
             <a:r>
-              <a:rPr lang="en-US" smtClean="0"/>
+              <a:rPr lang="en-US"/>
               <a:t>Click to edit Master title style</a:t>
             </a:r>
-            <a:endParaRPr lang="en-US"/>
           </a:p>
         </p:txBody>
       </p:sp>
@@ -9520,38 +9480,37 @@
           <a:p>
             <a:pPr lvl="0"/>
             <a:r>
-              <a:rPr lang="en-US" smtClean="0"/>
+              <a:rPr lang="en-US"/>
               <a:t>Edit Master text styles</a:t>
             </a:r>
           </a:p>
           <a:p>
             <a:pPr lvl="1"/>
             <a:r>
-              <a:rPr lang="en-US" smtClean="0"/>
+              <a:rPr lang="en-US"/>
               <a:t>Second level</a:t>
             </a:r>
           </a:p>
           <a:p>
             <a:pPr lvl="2"/>
             <a:r>
-              <a:rPr lang="en-US" smtClean="0"/>
+              <a:rPr lang="en-US"/>
               <a:t>Third level</a:t>
             </a:r>
           </a:p>
           <a:p>
             <a:pPr lvl="3"/>
             <a:r>
-              <a:rPr lang="en-US" smtClean="0"/>
+              <a:rPr lang="en-US"/>
               <a:t>Fourth level</a:t>
             </a:r>
           </a:p>
           <a:p>
             <a:pPr lvl="4"/>
             <a:r>
-              <a:rPr lang="en-US" smtClean="0"/>
+              <a:rPr lang="en-US"/>
               <a:t>Fifth level</a:t>
             </a:r>
-            <a:endParaRPr lang="en-US"/>
           </a:p>
         </p:txBody>
       </p:sp>
@@ -9614,7 +9573,7 @@
           <a:p>
             <a:pPr lvl="0"/>
             <a:r>
-              <a:rPr lang="en-US" smtClean="0"/>
+              <a:rPr lang="en-US"/>
               <a:t>Edit Master text styles</a:t>
             </a:r>
           </a:p>
@@ -9645,7 +9604,7 @@
           <a:p>
             <a:fld id="{296CB1A1-10B4-4A56-9A36-6D445BD9D6E5}" type="datetime1">
               <a:rPr lang="en-US" smtClean="0"/>
-              <a:t>10/11/2020</a:t>
+              <a:t>10/12/2020</a:t>
             </a:fld>
             <a:endParaRPr lang="en-US"/>
           </a:p>
@@ -9756,10 +9715,9 @@
           </a:lstStyle>
           <a:p>
             <a:r>
-              <a:rPr lang="en-US" smtClean="0"/>
+              <a:rPr lang="en-US"/>
               <a:t>Click to edit Master title style</a:t>
             </a:r>
-            <a:endParaRPr lang="en-US"/>
           </a:p>
         </p:txBody>
       </p:sp>
@@ -9821,10 +9779,9 @@
           </a:lstStyle>
           <a:p>
             <a:r>
-              <a:rPr lang="en-US" smtClean="0"/>
+              <a:rPr lang="en-US"/>
               <a:t>Click icon to add picture</a:t>
             </a:r>
-            <a:endParaRPr lang="en-US"/>
           </a:p>
         </p:txBody>
       </p:sp>
@@ -9887,7 +9844,7 @@
           <a:p>
             <a:pPr lvl="0"/>
             <a:r>
-              <a:rPr lang="en-US" smtClean="0"/>
+              <a:rPr lang="en-US"/>
               <a:t>Edit Master text styles</a:t>
             </a:r>
           </a:p>
@@ -9918,7 +9875,7 @@
           <a:p>
             <a:fld id="{ED2AB522-E6A2-4B46-A750-7AF9600B9FCE}" type="datetime1">
               <a:rPr lang="en-US" smtClean="0"/>
-              <a:t>10/11/2020</a:t>
+              <a:t>10/12/2020</a:t>
             </a:fld>
             <a:endParaRPr lang="en-US"/>
           </a:p>
@@ -10035,10 +9992,9 @@
           <a:lstStyle/>
           <a:p>
             <a:r>
-              <a:rPr lang="en-US" smtClean="0"/>
+              <a:rPr lang="en-US"/>
               <a:t>Click to edit Master title style</a:t>
             </a:r>
-            <a:endParaRPr lang="en-US"/>
           </a:p>
         </p:txBody>
       </p:sp>
@@ -10069,38 +10025,37 @@
           <a:p>
             <a:pPr lvl="0"/>
             <a:r>
-              <a:rPr lang="en-US" smtClean="0"/>
+              <a:rPr lang="en-US"/>
               <a:t>Edit Master text styles</a:t>
             </a:r>
           </a:p>
           <a:p>
             <a:pPr lvl="1"/>
             <a:r>
-              <a:rPr lang="en-US" smtClean="0"/>
+              <a:rPr lang="en-US"/>
               <a:t>Second level</a:t>
             </a:r>
           </a:p>
           <a:p>
             <a:pPr lvl="2"/>
             <a:r>
-              <a:rPr lang="en-US" smtClean="0"/>
+              <a:rPr lang="en-US"/>
               <a:t>Third level</a:t>
             </a:r>
           </a:p>
           <a:p>
             <a:pPr lvl="3"/>
             <a:r>
-              <a:rPr lang="en-US" smtClean="0"/>
+              <a:rPr lang="en-US"/>
               <a:t>Fourth level</a:t>
             </a:r>
           </a:p>
           <a:p>
             <a:pPr lvl="4"/>
             <a:r>
-              <a:rPr lang="en-US" smtClean="0"/>
+              <a:rPr lang="en-US"/>
               <a:t>Fifth level</a:t>
             </a:r>
-            <a:endParaRPr lang="en-US"/>
           </a:p>
         </p:txBody>
       </p:sp>
@@ -10166,13 +10121,6 @@
     <p:sldLayoutId id="2147483658" r:id="rId10"/>
     <p:sldLayoutId id="2147483659" r:id="rId11"/>
   </p:sldLayoutIdLst>
-  <p:timing>
-    <p:tnLst>
-      <p:par>
-        <p:cTn id="1" dur="indefinite" restart="never" nodeType="tmRoot"/>
-      </p:par>
-    </p:tnLst>
-  </p:timing>
   <p:hf hdr="0" ftr="0" dt="0"/>
   <p:txStyles>
     <p:titleStyle>
@@ -11078,7 +11026,7 @@
           <a:lstStyle/>
           <a:p>
             <a:r>
-              <a:rPr lang="en-US" altLang="zh-CN" sz="5400" dirty="0" smtClean="0">
+              <a:rPr lang="en-US" altLang="zh-CN" sz="5400" dirty="0">
                 <a:latin typeface="Tahoma" panose="020B0604030504040204" pitchFamily="34" charset="0"/>
                 <a:ea typeface="Tahoma" panose="020B0604030504040204" pitchFamily="34" charset="0"/>
                 <a:cs typeface="Tahoma" panose="020B0604030504040204" pitchFamily="34" charset="0"/>
@@ -11116,7 +11064,7 @@
           <a:lstStyle/>
           <a:p>
             <a:r>
-              <a:rPr lang="en-US" dirty="0" smtClean="0">
+              <a:rPr lang="en-US" dirty="0">
                 <a:latin typeface="Tahoma" panose="020B0604030504040204" pitchFamily="34" charset="0"/>
                 <a:ea typeface="Tahoma" panose="020B0604030504040204" pitchFamily="34" charset="0"/>
                 <a:cs typeface="Tahoma" panose="020B0604030504040204" pitchFamily="34" charset="0"/>
@@ -11126,18 +11074,13 @@
           </a:p>
           <a:p>
             <a:r>
-              <a:rPr lang="en-US" dirty="0" smtClean="0">
+              <a:rPr lang="en-US" dirty="0">
                 <a:latin typeface="Tahoma" panose="020B0604030504040204" pitchFamily="34" charset="0"/>
                 <a:ea typeface="Tahoma" panose="020B0604030504040204" pitchFamily="34" charset="0"/>
                 <a:cs typeface="Tahoma" panose="020B0604030504040204" pitchFamily="34" charset="0"/>
               </a:rPr>
               <a:t>Yi Wang</a:t>
             </a:r>
-            <a:endParaRPr lang="en-US" dirty="0">
-              <a:latin typeface="Tahoma" panose="020B0604030504040204" pitchFamily="34" charset="0"/>
-              <a:ea typeface="Tahoma" panose="020B0604030504040204" pitchFamily="34" charset="0"/>
-              <a:cs typeface="Tahoma" panose="020B0604030504040204" pitchFamily="34" charset="0"/>
-            </a:endParaRPr>
           </a:p>
         </p:txBody>
       </p:sp>
@@ -11164,7 +11107,7 @@
           <a:lstStyle/>
           <a:p>
             <a:r>
-              <a:rPr lang="en-US" sz="2000" b="1" i="1" dirty="0" smtClean="0">
+              <a:rPr lang="en-US" sz="2000" b="1" i="1" dirty="0">
                 <a:solidFill>
                   <a:srgbClr val="0070C0"/>
                 </a:solidFill>
@@ -11172,7 +11115,7 @@
               <a:t>Multi-task </a:t>
             </a:r>
             <a:r>
-              <a:rPr lang="en-US" sz="2000" b="1" i="1" dirty="0" err="1" smtClean="0">
+              <a:rPr lang="en-US" sz="2000" b="1" i="1" dirty="0" err="1">
                 <a:solidFill>
                   <a:srgbClr val="0070C0"/>
                 </a:solidFill>
@@ -11180,18 +11123,13 @@
               <a:t>cGANs</a:t>
             </a:r>
             <a:r>
-              <a:rPr lang="en-US" sz="2000" b="1" i="1" dirty="0" smtClean="0">
+              <a:rPr lang="en-US" sz="2000" b="1" i="1" dirty="0">
                 <a:solidFill>
                   <a:srgbClr val="0070C0"/>
                 </a:solidFill>
               </a:rPr>
               <a:t> for 3D Building Vectorization</a:t>
             </a:r>
-            <a:endParaRPr lang="en-US" sz="2000" b="1" i="1" dirty="0">
-              <a:solidFill>
-                <a:srgbClr val="0070C0"/>
-              </a:solidFill>
-            </a:endParaRPr>
           </a:p>
         </p:txBody>
       </p:sp>
@@ -11325,13 +11263,541 @@
   <p:clrMapOvr>
     <a:masterClrMapping/>
   </p:clrMapOvr>
-  <p:timing>
-    <p:tnLst>
-      <p:par>
-        <p:cTn id="1" dur="indefinite" restart="never" nodeType="tmRoot"/>
-      </p:par>
-    </p:tnLst>
-  </p:timing>
+</p:sld>
+</file>
+
+<file path=ppt/slides/slide10.xml><?xml version="1.0" encoding="utf-8"?>
+<p:sld xmlns:a="http://schemas.openxmlformats.org/drawingml/2006/main" xmlns:r="http://schemas.openxmlformats.org/officeDocument/2006/relationships" xmlns:p="http://schemas.openxmlformats.org/presentationml/2006/main">
+  <p:cSld>
+    <p:spTree>
+      <p:nvGrpSpPr>
+        <p:cNvPr id="1" name=""/>
+        <p:cNvGrpSpPr/>
+        <p:nvPr/>
+      </p:nvGrpSpPr>
+      <p:grpSpPr>
+        <a:xfrm>
+          <a:off x="0" y="0"/>
+          <a:ext cx="0" cy="0"/>
+          <a:chOff x="0" y="0"/>
+          <a:chExt cx="0" cy="0"/>
+        </a:xfrm>
+      </p:grpSpPr>
+      <p:pic>
+        <p:nvPicPr>
+          <p:cNvPr id="5" name="Picture 4"/>
+          <p:cNvPicPr>
+            <a:picLocks noChangeAspect="1"/>
+          </p:cNvPicPr>
+          <p:nvPr/>
+        </p:nvPicPr>
+        <p:blipFill>
+          <a:blip r:embed="rId2" cstate="print">
+            <a:extLst>
+              <a:ext uri="{28A0092B-C50C-407E-A947-70E740481C1C}">
+                <a14:useLocalDpi xmlns:a14="http://schemas.microsoft.com/office/drawing/2010/main" val="0"/>
+              </a:ext>
+            </a:extLst>
+          </a:blip>
+          <a:stretch>
+            <a:fillRect/>
+          </a:stretch>
+        </p:blipFill>
+        <p:spPr>
+          <a:xfrm>
+            <a:off x="11159613" y="5987845"/>
+            <a:ext cx="715043" cy="597657"/>
+          </a:xfrm>
+          <a:prstGeom prst="rect">
+            <a:avLst/>
+          </a:prstGeom>
+        </p:spPr>
+      </p:pic>
+      <p:cxnSp>
+        <p:nvCxnSpPr>
+          <p:cNvPr id="6" name="Straight Connector 5"/>
+          <p:cNvCxnSpPr/>
+          <p:nvPr/>
+        </p:nvCxnSpPr>
+        <p:spPr>
+          <a:xfrm>
+            <a:off x="127819" y="933760"/>
+            <a:ext cx="11936361" cy="0"/>
+          </a:xfrm>
+          <a:prstGeom prst="line">
+            <a:avLst/>
+          </a:prstGeom>
+        </p:spPr>
+        <p:style>
+          <a:lnRef idx="1">
+            <a:schemeClr val="dk1"/>
+          </a:lnRef>
+          <a:fillRef idx="0">
+            <a:schemeClr val="dk1"/>
+          </a:fillRef>
+          <a:effectRef idx="0">
+            <a:schemeClr val="dk1"/>
+          </a:effectRef>
+          <a:fontRef idx="minor">
+            <a:schemeClr val="tx1"/>
+          </a:fontRef>
+        </p:style>
+      </p:cxnSp>
+      <p:sp>
+        <p:nvSpPr>
+          <p:cNvPr id="7" name="TextBox 6"/>
+          <p:cNvSpPr txBox="1"/>
+          <p:nvPr/>
+        </p:nvSpPr>
+        <p:spPr>
+          <a:xfrm>
+            <a:off x="127818" y="348985"/>
+            <a:ext cx="9071600" cy="584775"/>
+          </a:xfrm>
+          <a:prstGeom prst="rect">
+            <a:avLst/>
+          </a:prstGeom>
+          <a:noFill/>
+        </p:spPr>
+        <p:txBody>
+          <a:bodyPr wrap="square" rtlCol="0">
+            <a:spAutoFit/>
+          </a:bodyPr>
+          <a:lstStyle/>
+          <a:p>
+            <a:r>
+              <a:rPr lang="en-US" sz="3200" dirty="0">
+                <a:latin typeface="Tahoma" panose="020B0604030504040204" pitchFamily="34" charset="0"/>
+                <a:ea typeface="Tahoma" panose="020B0604030504040204" pitchFamily="34" charset="0"/>
+                <a:cs typeface="Tahoma" panose="020B0604030504040204" pitchFamily="34" charset="0"/>
+              </a:rPr>
+              <a:t>Answers (2020.10.12)</a:t>
+            </a:r>
+            <a:endParaRPr lang="en-US" sz="2800" dirty="0">
+              <a:latin typeface="Tahoma" panose="020B0604030504040204" pitchFamily="34" charset="0"/>
+              <a:ea typeface="Tahoma" panose="020B0604030504040204" pitchFamily="34" charset="0"/>
+              <a:cs typeface="Tahoma" panose="020B0604030504040204" pitchFamily="34" charset="0"/>
+            </a:endParaRPr>
+          </a:p>
+        </p:txBody>
+      </p:sp>
+      <p:sp>
+        <p:nvSpPr>
+          <p:cNvPr id="2" name="Slide Number Placeholder 1"/>
+          <p:cNvSpPr>
+            <a:spLocks noGrp="1"/>
+          </p:cNvSpPr>
+          <p:nvPr>
+            <p:ph type="sldNum" sz="quarter" idx="12"/>
+          </p:nvPr>
+        </p:nvSpPr>
+        <p:spPr/>
+        <p:txBody>
+          <a:bodyPr/>
+          <a:lstStyle/>
+          <a:p>
+            <a:fld id="{33C5029A-0CF6-4C64-B343-1E36ABFE0974}" type="slidenum">
+              <a:rPr lang="en-US" smtClean="0"/>
+              <a:t>10</a:t>
+            </a:fld>
+            <a:endParaRPr lang="en-US" dirty="0"/>
+          </a:p>
+        </p:txBody>
+      </p:sp>
+      <p:sp>
+        <p:nvSpPr>
+          <p:cNvPr id="9" name="TextBox 8"/>
+          <p:cNvSpPr txBox="1"/>
+          <p:nvPr/>
+        </p:nvSpPr>
+        <p:spPr>
+          <a:xfrm>
+            <a:off x="481780" y="1230820"/>
+            <a:ext cx="11110452" cy="3600986"/>
+          </a:xfrm>
+          <a:prstGeom prst="rect">
+            <a:avLst/>
+          </a:prstGeom>
+          <a:noFill/>
+        </p:spPr>
+        <p:txBody>
+          <a:bodyPr wrap="square" rtlCol="0">
+            <a:spAutoFit/>
+          </a:bodyPr>
+          <a:lstStyle/>
+          <a:p>
+            <a:r>
+              <a:rPr lang="en-US" sz="2800" dirty="0">
+                <a:latin typeface="Tahoma" panose="020B0604030504040204" pitchFamily="34" charset="0"/>
+                <a:ea typeface="Tahoma" panose="020B0604030504040204" pitchFamily="34" charset="0"/>
+                <a:cs typeface="Tahoma" panose="020B0604030504040204" pitchFamily="34" charset="0"/>
+              </a:rPr>
+              <a:t>1. Two images (</a:t>
+            </a:r>
+            <a:r>
+              <a:rPr lang="en-US" sz="2800" dirty="0" err="1">
+                <a:latin typeface="Tahoma" panose="020B0604030504040204" pitchFamily="34" charset="0"/>
+                <a:ea typeface="Tahoma" panose="020B0604030504040204" pitchFamily="34" charset="0"/>
+                <a:cs typeface="Tahoma" panose="020B0604030504040204" pitchFamily="34" charset="0"/>
+              </a:rPr>
+              <a:t>edge_img</a:t>
+            </a:r>
+            <a:r>
+              <a:rPr lang="en-US" sz="2800" dirty="0">
+                <a:latin typeface="Tahoma" panose="020B0604030504040204" pitchFamily="34" charset="0"/>
+                <a:ea typeface="Tahoma" panose="020B0604030504040204" pitchFamily="34" charset="0"/>
+                <a:cs typeface="Tahoma" panose="020B0604030504040204" pitchFamily="34" charset="0"/>
+              </a:rPr>
+              <a:t> with 2 channels would be better)</a:t>
+            </a:r>
+          </a:p>
+          <a:p>
+            <a:r>
+              <a:rPr lang="en-US" sz="2800" dirty="0">
+                <a:latin typeface="Tahoma" panose="020B0604030504040204" pitchFamily="34" charset="0"/>
+                <a:ea typeface="Tahoma" panose="020B0604030504040204" pitchFamily="34" charset="0"/>
+                <a:cs typeface="Tahoma" panose="020B0604030504040204" pitchFamily="34" charset="0"/>
+              </a:rPr>
+              <a:t>2. QGIS visualization: set classes</a:t>
+            </a:r>
+          </a:p>
+          <a:p>
+            <a:r>
+              <a:rPr lang="en-US" sz="2800" dirty="0">
+                <a:latin typeface="Tahoma" panose="020B0604030504040204" pitchFamily="34" charset="0"/>
+                <a:ea typeface="Tahoma" panose="020B0604030504040204" pitchFamily="34" charset="0"/>
+                <a:cs typeface="Tahoma" panose="020B0604030504040204" pitchFamily="34" charset="0"/>
+              </a:rPr>
+              <a:t>4. Remote training: Use </a:t>
+            </a:r>
+            <a:r>
+              <a:rPr lang="en-US" sz="2800" dirty="0">
+                <a:solidFill>
+                  <a:srgbClr val="FF0000"/>
+                </a:solidFill>
+                <a:latin typeface="Tahoma" panose="020B0604030504040204" pitchFamily="34" charset="0"/>
+                <a:ea typeface="Tahoma" panose="020B0604030504040204" pitchFamily="34" charset="0"/>
+                <a:cs typeface="Tahoma" panose="020B0604030504040204" pitchFamily="34" charset="0"/>
+              </a:rPr>
+              <a:t>screen</a:t>
+            </a:r>
+          </a:p>
+          <a:p>
+            <a:pPr marL="800100" lvl="1" indent="-342900">
+              <a:buFont typeface="Arial" panose="020B0604020202020204" pitchFamily="34" charset="0"/>
+              <a:buChar char="•"/>
+            </a:pPr>
+            <a:r>
+              <a:rPr lang="en-US" sz="2400" dirty="0">
+                <a:latin typeface="Tahoma" panose="020B0604030504040204" pitchFamily="34" charset="0"/>
+                <a:ea typeface="Tahoma" panose="020B0604030504040204" pitchFamily="34" charset="0"/>
+                <a:cs typeface="Tahoma" panose="020B0604030504040204" pitchFamily="34" charset="0"/>
+              </a:rPr>
+              <a:t>Create new screen before training: ‘</a:t>
+            </a:r>
+            <a:r>
+              <a:rPr lang="en-US" sz="2400" dirty="0">
+                <a:solidFill>
+                  <a:srgbClr val="00B050"/>
+                </a:solidFill>
+                <a:latin typeface="Tahoma" panose="020B0604030504040204" pitchFamily="34" charset="0"/>
+                <a:ea typeface="Tahoma" panose="020B0604030504040204" pitchFamily="34" charset="0"/>
+                <a:cs typeface="Tahoma" panose="020B0604030504040204" pitchFamily="34" charset="0"/>
+              </a:rPr>
+              <a:t>screen –S </a:t>
+            </a:r>
+            <a:r>
+              <a:rPr lang="en-US" sz="2400" dirty="0" err="1">
+                <a:solidFill>
+                  <a:srgbClr val="00B050"/>
+                </a:solidFill>
+                <a:latin typeface="Tahoma" panose="020B0604030504040204" pitchFamily="34" charset="0"/>
+                <a:ea typeface="Tahoma" panose="020B0604030504040204" pitchFamily="34" charset="0"/>
+                <a:cs typeface="Tahoma" panose="020B0604030504040204" pitchFamily="34" charset="0"/>
+              </a:rPr>
+              <a:t>NewScreen</a:t>
+            </a:r>
+            <a:r>
+              <a:rPr lang="en-US" sz="2400" dirty="0">
+                <a:latin typeface="Tahoma" panose="020B0604030504040204" pitchFamily="34" charset="0"/>
+                <a:ea typeface="Tahoma" panose="020B0604030504040204" pitchFamily="34" charset="0"/>
+                <a:cs typeface="Tahoma" panose="020B0604030504040204" pitchFamily="34" charset="0"/>
+              </a:rPr>
+              <a:t>’</a:t>
+            </a:r>
+          </a:p>
+          <a:p>
+            <a:pPr marL="800100" lvl="1" indent="-342900">
+              <a:buFont typeface="Arial" panose="020B0604020202020204" pitchFamily="34" charset="0"/>
+              <a:buChar char="•"/>
+            </a:pPr>
+            <a:r>
+              <a:rPr lang="en-US" sz="2400" dirty="0">
+                <a:latin typeface="Tahoma" panose="020B0604030504040204" pitchFamily="34" charset="0"/>
+                <a:ea typeface="Tahoma" panose="020B0604030504040204" pitchFamily="34" charset="0"/>
+                <a:cs typeface="Tahoma" panose="020B0604030504040204" pitchFamily="34" charset="0"/>
+              </a:rPr>
+              <a:t>Start training (open </a:t>
+            </a:r>
+            <a:r>
+              <a:rPr lang="en-US" sz="2400" dirty="0" err="1">
+                <a:latin typeface="Tahoma" panose="020B0604030504040204" pitchFamily="34" charset="0"/>
+                <a:ea typeface="Tahoma" panose="020B0604030504040204" pitchFamily="34" charset="0"/>
+                <a:cs typeface="Tahoma" panose="020B0604030504040204" pitchFamily="34" charset="0"/>
+              </a:rPr>
+              <a:t>visdom</a:t>
+            </a:r>
+            <a:r>
+              <a:rPr lang="en-US" sz="2400" dirty="0">
+                <a:latin typeface="Tahoma" panose="020B0604030504040204" pitchFamily="34" charset="0"/>
+                <a:ea typeface="Tahoma" panose="020B0604030504040204" pitchFamily="34" charset="0"/>
+                <a:cs typeface="Tahoma" panose="020B0604030504040204" pitchFamily="34" charset="0"/>
+              </a:rPr>
+              <a:t>/ training)</a:t>
+            </a:r>
+          </a:p>
+          <a:p>
+            <a:pPr marL="800100" lvl="1" indent="-342900">
+              <a:buFont typeface="Arial" panose="020B0604020202020204" pitchFamily="34" charset="0"/>
+              <a:buChar char="•"/>
+            </a:pPr>
+            <a:r>
+              <a:rPr lang="en-US" sz="2400" dirty="0">
+                <a:latin typeface="Tahoma" panose="020B0604030504040204" pitchFamily="34" charset="0"/>
+                <a:ea typeface="Tahoma" panose="020B0604030504040204" pitchFamily="34" charset="0"/>
+                <a:cs typeface="Tahoma" panose="020B0604030504040204" pitchFamily="34" charset="0"/>
+              </a:rPr>
+              <a:t>To detach: press ‘</a:t>
+            </a:r>
+            <a:r>
+              <a:rPr lang="en-US" sz="2400" dirty="0" err="1">
+                <a:solidFill>
+                  <a:srgbClr val="0070C0"/>
+                </a:solidFill>
+                <a:latin typeface="Tahoma" panose="020B0604030504040204" pitchFamily="34" charset="0"/>
+                <a:ea typeface="Tahoma" panose="020B0604030504040204" pitchFamily="34" charset="0"/>
+                <a:cs typeface="Tahoma" panose="020B0604030504040204" pitchFamily="34" charset="0"/>
+              </a:rPr>
+              <a:t>ctrl+A+D</a:t>
+            </a:r>
+            <a:r>
+              <a:rPr lang="en-US" sz="2400" dirty="0">
+                <a:latin typeface="Tahoma" panose="020B0604030504040204" pitchFamily="34" charset="0"/>
+                <a:ea typeface="Tahoma" panose="020B0604030504040204" pitchFamily="34" charset="0"/>
+                <a:cs typeface="Tahoma" panose="020B0604030504040204" pitchFamily="34" charset="0"/>
+              </a:rPr>
+              <a:t>’ or command ‘</a:t>
+            </a:r>
+            <a:r>
+              <a:rPr lang="en-US" sz="2400" dirty="0">
+                <a:solidFill>
+                  <a:srgbClr val="00B050"/>
+                </a:solidFill>
+                <a:latin typeface="Tahoma" panose="020B0604030504040204" pitchFamily="34" charset="0"/>
+                <a:ea typeface="Tahoma" panose="020B0604030504040204" pitchFamily="34" charset="0"/>
+                <a:cs typeface="Tahoma" panose="020B0604030504040204" pitchFamily="34" charset="0"/>
+              </a:rPr>
+              <a:t>screen –d </a:t>
+            </a:r>
+            <a:r>
+              <a:rPr lang="en-US" sz="2400" dirty="0" err="1">
+                <a:solidFill>
+                  <a:srgbClr val="00B050"/>
+                </a:solidFill>
+                <a:latin typeface="Tahoma" panose="020B0604030504040204" pitchFamily="34" charset="0"/>
+                <a:ea typeface="Tahoma" panose="020B0604030504040204" pitchFamily="34" charset="0"/>
+                <a:cs typeface="Tahoma" panose="020B0604030504040204" pitchFamily="34" charset="0"/>
+              </a:rPr>
+              <a:t>NewScreen</a:t>
+            </a:r>
+            <a:r>
+              <a:rPr lang="en-US" sz="2400" dirty="0">
+                <a:latin typeface="Tahoma" panose="020B0604030504040204" pitchFamily="34" charset="0"/>
+                <a:ea typeface="Tahoma" panose="020B0604030504040204" pitchFamily="34" charset="0"/>
+                <a:cs typeface="Tahoma" panose="020B0604030504040204" pitchFamily="34" charset="0"/>
+              </a:rPr>
+              <a:t>’</a:t>
+            </a:r>
+          </a:p>
+          <a:p>
+            <a:pPr marL="800100" lvl="1" indent="-342900">
+              <a:buFont typeface="Arial" panose="020B0604020202020204" pitchFamily="34" charset="0"/>
+              <a:buChar char="•"/>
+            </a:pPr>
+            <a:r>
+              <a:rPr lang="en-US" sz="2400" dirty="0">
+                <a:latin typeface="Tahoma" panose="020B0604030504040204" pitchFamily="34" charset="0"/>
+                <a:ea typeface="Tahoma" panose="020B0604030504040204" pitchFamily="34" charset="0"/>
+                <a:cs typeface="Tahoma" panose="020B0604030504040204" pitchFamily="34" charset="0"/>
+              </a:rPr>
+              <a:t>To connect back: ‘</a:t>
+            </a:r>
+            <a:r>
+              <a:rPr lang="en-US" sz="2400" dirty="0">
+                <a:solidFill>
+                  <a:srgbClr val="00B050"/>
+                </a:solidFill>
+                <a:latin typeface="Tahoma" panose="020B0604030504040204" pitchFamily="34" charset="0"/>
+                <a:ea typeface="Tahoma" panose="020B0604030504040204" pitchFamily="34" charset="0"/>
+                <a:cs typeface="Tahoma" panose="020B0604030504040204" pitchFamily="34" charset="0"/>
+              </a:rPr>
+              <a:t>screen –r </a:t>
+            </a:r>
+            <a:r>
+              <a:rPr lang="en-US" sz="2400" dirty="0" err="1">
+                <a:solidFill>
+                  <a:srgbClr val="00B050"/>
+                </a:solidFill>
+                <a:latin typeface="Tahoma" panose="020B0604030504040204" pitchFamily="34" charset="0"/>
+                <a:ea typeface="Tahoma" panose="020B0604030504040204" pitchFamily="34" charset="0"/>
+                <a:cs typeface="Tahoma" panose="020B0604030504040204" pitchFamily="34" charset="0"/>
+              </a:rPr>
+              <a:t>NewScreen</a:t>
+            </a:r>
+            <a:r>
+              <a:rPr lang="en-US" sz="2400" dirty="0">
+                <a:latin typeface="Tahoma" panose="020B0604030504040204" pitchFamily="34" charset="0"/>
+                <a:ea typeface="Tahoma" panose="020B0604030504040204" pitchFamily="34" charset="0"/>
+                <a:cs typeface="Tahoma" panose="020B0604030504040204" pitchFamily="34" charset="0"/>
+              </a:rPr>
+              <a:t>’</a:t>
+            </a:r>
+          </a:p>
+          <a:p>
+            <a:pPr marL="800100" lvl="1" indent="-342900">
+              <a:buFont typeface="Arial" panose="020B0604020202020204" pitchFamily="34" charset="0"/>
+              <a:buChar char="•"/>
+            </a:pPr>
+            <a:r>
+              <a:rPr lang="en-US" sz="2400" dirty="0">
+                <a:latin typeface="Tahoma" panose="020B0604030504040204" pitchFamily="34" charset="0"/>
+                <a:ea typeface="Tahoma" panose="020B0604030504040204" pitchFamily="34" charset="0"/>
+                <a:cs typeface="Tahoma" panose="020B0604030504040204" pitchFamily="34" charset="0"/>
+              </a:rPr>
+              <a:t>To kill the screen: press ‘</a:t>
+            </a:r>
+            <a:r>
+              <a:rPr lang="en-US" sz="2400" dirty="0" err="1">
+                <a:solidFill>
+                  <a:srgbClr val="0070C0"/>
+                </a:solidFill>
+                <a:latin typeface="Tahoma" panose="020B0604030504040204" pitchFamily="34" charset="0"/>
+                <a:ea typeface="Tahoma" panose="020B0604030504040204" pitchFamily="34" charset="0"/>
+                <a:cs typeface="Tahoma" panose="020B0604030504040204" pitchFamily="34" charset="0"/>
+              </a:rPr>
+              <a:t>ctrl+D</a:t>
+            </a:r>
+            <a:r>
+              <a:rPr lang="en-US" sz="2400" dirty="0">
+                <a:latin typeface="Tahoma" panose="020B0604030504040204" pitchFamily="34" charset="0"/>
+                <a:ea typeface="Tahoma" panose="020B0604030504040204" pitchFamily="34" charset="0"/>
+                <a:cs typeface="Tahoma" panose="020B0604030504040204" pitchFamily="34" charset="0"/>
+              </a:rPr>
+              <a:t>’ or command ‘</a:t>
+            </a:r>
+            <a:r>
+              <a:rPr lang="en-US" sz="2400" dirty="0">
+                <a:solidFill>
+                  <a:srgbClr val="00B050"/>
+                </a:solidFill>
+                <a:latin typeface="Tahoma" panose="020B0604030504040204" pitchFamily="34" charset="0"/>
+                <a:ea typeface="Tahoma" panose="020B0604030504040204" pitchFamily="34" charset="0"/>
+                <a:cs typeface="Tahoma" panose="020B0604030504040204" pitchFamily="34" charset="0"/>
+              </a:rPr>
+              <a:t>screen –XS </a:t>
+            </a:r>
+            <a:r>
+              <a:rPr lang="en-US" sz="2400" dirty="0" err="1">
+                <a:solidFill>
+                  <a:srgbClr val="00B050"/>
+                </a:solidFill>
+                <a:latin typeface="Tahoma" panose="020B0604030504040204" pitchFamily="34" charset="0"/>
+                <a:ea typeface="Tahoma" panose="020B0604030504040204" pitchFamily="34" charset="0"/>
+                <a:cs typeface="Tahoma" panose="020B0604030504040204" pitchFamily="34" charset="0"/>
+              </a:rPr>
+              <a:t>NewScreen</a:t>
+            </a:r>
+            <a:r>
+              <a:rPr lang="en-US" sz="2400" dirty="0">
+                <a:solidFill>
+                  <a:srgbClr val="00B050"/>
+                </a:solidFill>
+                <a:latin typeface="Tahoma" panose="020B0604030504040204" pitchFamily="34" charset="0"/>
+                <a:ea typeface="Tahoma" panose="020B0604030504040204" pitchFamily="34" charset="0"/>
+                <a:cs typeface="Tahoma" panose="020B0604030504040204" pitchFamily="34" charset="0"/>
+              </a:rPr>
+              <a:t> quit</a:t>
+            </a:r>
+            <a:r>
+              <a:rPr lang="en-US" sz="2400" dirty="0">
+                <a:latin typeface="Tahoma" panose="020B0604030504040204" pitchFamily="34" charset="0"/>
+                <a:ea typeface="Tahoma" panose="020B0604030504040204" pitchFamily="34" charset="0"/>
+                <a:cs typeface="Tahoma" panose="020B0604030504040204" pitchFamily="34" charset="0"/>
+              </a:rPr>
+              <a:t>’</a:t>
+            </a:r>
+          </a:p>
+          <a:p>
+            <a:pPr marL="800100" lvl="1" indent="-342900">
+              <a:buFont typeface="Arial" panose="020B0604020202020204" pitchFamily="34" charset="0"/>
+              <a:buChar char="•"/>
+            </a:pPr>
+            <a:r>
+              <a:rPr lang="en-US" sz="2400" dirty="0">
+                <a:latin typeface="Tahoma" panose="020B0604030504040204" pitchFamily="34" charset="0"/>
+                <a:ea typeface="Tahoma" panose="020B0604030504040204" pitchFamily="34" charset="0"/>
+                <a:cs typeface="Tahoma" panose="020B0604030504040204" pitchFamily="34" charset="0"/>
+              </a:rPr>
+              <a:t>To check current screens: ‘</a:t>
+            </a:r>
+            <a:r>
+              <a:rPr lang="en-US" sz="2400" dirty="0">
+                <a:solidFill>
+                  <a:srgbClr val="00B050"/>
+                </a:solidFill>
+                <a:latin typeface="Tahoma" panose="020B0604030504040204" pitchFamily="34" charset="0"/>
+                <a:ea typeface="Tahoma" panose="020B0604030504040204" pitchFamily="34" charset="0"/>
+                <a:cs typeface="Tahoma" panose="020B0604030504040204" pitchFamily="34" charset="0"/>
+              </a:rPr>
+              <a:t>screen -</a:t>
+            </a:r>
+            <a:r>
+              <a:rPr lang="en-US" sz="2400" dirty="0" err="1">
+                <a:solidFill>
+                  <a:srgbClr val="00B050"/>
+                </a:solidFill>
+                <a:latin typeface="Tahoma" panose="020B0604030504040204" pitchFamily="34" charset="0"/>
+                <a:ea typeface="Tahoma" panose="020B0604030504040204" pitchFamily="34" charset="0"/>
+                <a:cs typeface="Tahoma" panose="020B0604030504040204" pitchFamily="34" charset="0"/>
+              </a:rPr>
+              <a:t>ls</a:t>
+            </a:r>
+            <a:r>
+              <a:rPr lang="en-US" sz="2400" dirty="0" err="1">
+                <a:latin typeface="Tahoma" panose="020B0604030504040204" pitchFamily="34" charset="0"/>
+                <a:ea typeface="Tahoma" panose="020B0604030504040204" pitchFamily="34" charset="0"/>
+                <a:cs typeface="Tahoma" panose="020B0604030504040204" pitchFamily="34" charset="0"/>
+              </a:rPr>
+              <a:t>’</a:t>
+            </a:r>
+            <a:endParaRPr lang="en-US" sz="2400" dirty="0">
+              <a:latin typeface="Tahoma" panose="020B0604030504040204" pitchFamily="34" charset="0"/>
+              <a:ea typeface="Tahoma" panose="020B0604030504040204" pitchFamily="34" charset="0"/>
+              <a:cs typeface="Tahoma" panose="020B0604030504040204" pitchFamily="34" charset="0"/>
+            </a:endParaRPr>
+          </a:p>
+        </p:txBody>
+      </p:sp>
+    </p:spTree>
+    <p:extLst>
+      <p:ext uri="{BB962C8B-B14F-4D97-AF65-F5344CB8AC3E}">
+        <p14:creationId xmlns:p14="http://schemas.microsoft.com/office/powerpoint/2010/main" val="683243093"/>
+      </p:ext>
+    </p:extLst>
+  </p:cSld>
+  <p:clrMapOvr>
+    <a:masterClrMapping/>
+  </p:clrMapOvr>
 </p:sld>
 </file>
 
@@ -11435,7 +11901,7 @@
           <a:lstStyle/>
           <a:p>
             <a:r>
-              <a:rPr lang="en-US" sz="3600" dirty="0" smtClean="0">
+              <a:rPr lang="en-US" sz="3600" dirty="0">
                 <a:latin typeface="Tahoma" panose="020B0604030504040204" pitchFamily="34" charset="0"/>
                 <a:ea typeface="Tahoma" panose="020B0604030504040204" pitchFamily="34" charset="0"/>
                 <a:cs typeface="Tahoma" panose="020B0604030504040204" pitchFamily="34" charset="0"/>
@@ -11477,7 +11943,7 @@
               <a:buChar char="q"/>
             </a:pPr>
             <a:r>
-              <a:rPr lang="en-US" sz="3200" dirty="0" smtClean="0">
+              <a:rPr lang="en-US" sz="3200" dirty="0">
                 <a:latin typeface="Tahoma" panose="020B0604030504040204" pitchFamily="34" charset="0"/>
                 <a:ea typeface="Tahoma" panose="020B0604030504040204" pitchFamily="34" charset="0"/>
                 <a:cs typeface="Tahoma" panose="020B0604030504040204" pitchFamily="34" charset="0"/>
@@ -11490,7 +11956,7 @@
               <a:buFont typeface="Arial" panose="020B0604020202020204" pitchFamily="34" charset="0"/>
               <a:buChar char="•"/>
             </a:pPr>
-            <a:endParaRPr lang="en-US" sz="2800" dirty="0" smtClean="0">
+            <a:endParaRPr lang="en-US" sz="2800" dirty="0">
               <a:latin typeface="Tahoma" panose="020B0604030504040204" pitchFamily="34" charset="0"/>
               <a:ea typeface="Tahoma" panose="020B0604030504040204" pitchFamily="34" charset="0"/>
               <a:cs typeface="Tahoma" panose="020B0604030504040204" pitchFamily="34" charset="0"/>
@@ -11502,7 +11968,7 @@
               <a:buChar char="q"/>
             </a:pPr>
             <a:r>
-              <a:rPr lang="en-US" sz="3200" dirty="0" smtClean="0">
+              <a:rPr lang="en-US" sz="3200" dirty="0">
                 <a:latin typeface="Tahoma" panose="020B0604030504040204" pitchFamily="34" charset="0"/>
                 <a:ea typeface="Tahoma" panose="020B0604030504040204" pitchFamily="34" charset="0"/>
                 <a:cs typeface="Tahoma" panose="020B0604030504040204" pitchFamily="34" charset="0"/>
@@ -11510,7 +11976,7 @@
               <a:t>Create Ground </a:t>
             </a:r>
             <a:r>
-              <a:rPr lang="en-US" altLang="zh-CN" sz="3200" dirty="0" smtClean="0">
+              <a:rPr lang="en-US" altLang="zh-CN" sz="3200" dirty="0">
                 <a:latin typeface="Tahoma" panose="020B0604030504040204" pitchFamily="34" charset="0"/>
                 <a:ea typeface="Tahoma" panose="020B0604030504040204" pitchFamily="34" charset="0"/>
                 <a:cs typeface="Tahoma" panose="020B0604030504040204" pitchFamily="34" charset="0"/>
@@ -11523,7 +11989,7 @@
               <a:buFont typeface="Arial" panose="020B0604020202020204" pitchFamily="34" charset="0"/>
               <a:buChar char="•"/>
             </a:pPr>
-            <a:endParaRPr lang="en-US" altLang="zh-CN" sz="2800" dirty="0" smtClean="0">
+            <a:endParaRPr lang="en-US" altLang="zh-CN" sz="2800" dirty="0">
               <a:latin typeface="Tahoma" panose="020B0604030504040204" pitchFamily="34" charset="0"/>
               <a:ea typeface="Tahoma" panose="020B0604030504040204" pitchFamily="34" charset="0"/>
               <a:cs typeface="Tahoma" panose="020B0604030504040204" pitchFamily="34" charset="0"/>
@@ -11535,20 +12001,12 @@
               <a:buChar char="q"/>
             </a:pPr>
             <a:r>
-              <a:rPr lang="en-US" sz="3200" dirty="0" smtClean="0">
+              <a:rPr lang="en-US" sz="3200" dirty="0">
                 <a:latin typeface="Tahoma" panose="020B0604030504040204" pitchFamily="34" charset="0"/>
                 <a:ea typeface="Tahoma" panose="020B0604030504040204" pitchFamily="34" charset="0"/>
                 <a:cs typeface="Tahoma" panose="020B0604030504040204" pitchFamily="34" charset="0"/>
               </a:rPr>
-              <a:t>Create Ground Truth: Corners/Edges &amp; Building </a:t>
-            </a:r>
-            <a:r>
-              <a:rPr lang="en-US" sz="3200" dirty="0" smtClean="0">
-                <a:latin typeface="Tahoma" panose="020B0604030504040204" pitchFamily="34" charset="0"/>
-                <a:ea typeface="Tahoma" panose="020B0604030504040204" pitchFamily="34" charset="0"/>
-                <a:cs typeface="Tahoma" panose="020B0604030504040204" pitchFamily="34" charset="0"/>
-              </a:rPr>
-              <a:t>Instances</a:t>
+              <a:t>Create Ground Truth: Corners/Edges &amp; Building Instances</a:t>
             </a:r>
           </a:p>
           <a:p>
@@ -11568,7 +12026,7 @@
               <a:buChar char="q"/>
             </a:pPr>
             <a:r>
-              <a:rPr lang="en-US" sz="3200" dirty="0" smtClean="0">
+              <a:rPr lang="en-US" sz="3200" dirty="0">
                 <a:latin typeface="Tahoma" panose="020B0604030504040204" pitchFamily="34" charset="0"/>
                 <a:ea typeface="Tahoma" panose="020B0604030504040204" pitchFamily="34" charset="0"/>
                 <a:cs typeface="Tahoma" panose="020B0604030504040204" pitchFamily="34" charset="0"/>
@@ -11593,18 +12051,13 @@
               <a:buChar char="q"/>
             </a:pPr>
             <a:r>
-              <a:rPr lang="en-US" sz="3200" dirty="0" smtClean="0">
+              <a:rPr lang="en-US" sz="3200" dirty="0">
                 <a:latin typeface="Tahoma" panose="020B0604030504040204" pitchFamily="34" charset="0"/>
                 <a:ea typeface="Tahoma" panose="020B0604030504040204" pitchFamily="34" charset="0"/>
                 <a:cs typeface="Tahoma" panose="020B0604030504040204" pitchFamily="34" charset="0"/>
               </a:rPr>
               <a:t>Next Steps</a:t>
             </a:r>
-            <a:endParaRPr lang="en-US" sz="3200" dirty="0">
-              <a:latin typeface="Tahoma" panose="020B0604030504040204" pitchFamily="34" charset="0"/>
-              <a:ea typeface="Tahoma" panose="020B0604030504040204" pitchFamily="34" charset="0"/>
-              <a:cs typeface="Tahoma" panose="020B0604030504040204" pitchFamily="34" charset="0"/>
-            </a:endParaRPr>
           </a:p>
         </p:txBody>
       </p:sp>
@@ -11641,13 +12094,6 @@
   <p:clrMapOvr>
     <a:masterClrMapping/>
   </p:clrMapOvr>
-  <p:timing>
-    <p:tnLst>
-      <p:par>
-        <p:cTn id="1" dur="indefinite" restart="never" nodeType="tmRoot"/>
-      </p:par>
-    </p:tnLst>
-  </p:timing>
 </p:sld>
 </file>
 
@@ -11751,7 +12197,7 @@
           <a:lstStyle/>
           <a:p>
             <a:r>
-              <a:rPr lang="en-US" sz="3200" dirty="0" smtClean="0">
+              <a:rPr lang="en-US" sz="3200" dirty="0">
                 <a:latin typeface="Tahoma" panose="020B0604030504040204" pitchFamily="34" charset="0"/>
                 <a:ea typeface="Tahoma" panose="020B0604030504040204" pitchFamily="34" charset="0"/>
                 <a:cs typeface="Tahoma" panose="020B0604030504040204" pitchFamily="34" charset="0"/>
@@ -11816,23 +12262,15 @@
               <a:buChar char="•"/>
             </a:pPr>
             <a:r>
-              <a:rPr lang="en-US" sz="2400" dirty="0" smtClean="0">
+              <a:rPr lang="en-US" sz="2400" dirty="0">
                 <a:latin typeface="Tahoma" panose="020B0604030504040204" pitchFamily="34" charset="0"/>
                 <a:ea typeface="Tahoma" panose="020B0604030504040204" pitchFamily="34" charset="0"/>
                 <a:cs typeface="Tahoma" panose="020B0604030504040204" pitchFamily="34" charset="0"/>
               </a:rPr>
-              <a:t>Create </a:t>
-            </a:r>
-            <a:r>
-              <a:rPr lang="en-US" sz="2400" dirty="0" smtClean="0">
-                <a:latin typeface="Tahoma" panose="020B0604030504040204" pitchFamily="34" charset="0"/>
-                <a:ea typeface="Tahoma" panose="020B0604030504040204" pitchFamily="34" charset="0"/>
-                <a:cs typeface="Tahoma" panose="020B0604030504040204" pitchFamily="34" charset="0"/>
-              </a:rPr>
-              <a:t>virtual environment with </a:t>
-            </a:r>
-            <a:r>
-              <a:rPr lang="en-US" sz="2400" dirty="0" smtClean="0">
+              <a:t>Create virtual environment with </a:t>
+            </a:r>
+            <a:r>
+              <a:rPr lang="en-US" sz="2400" dirty="0">
                 <a:solidFill>
                   <a:srgbClr val="FF0000"/>
                 </a:solidFill>
@@ -11849,7 +12287,7 @@
               <a:buChar char="•"/>
             </a:pPr>
             <a:r>
-              <a:rPr lang="en-US" sz="2400" dirty="0" smtClean="0">
+              <a:rPr lang="en-US" sz="2400" dirty="0">
                 <a:latin typeface="Tahoma" panose="020B0604030504040204" pitchFamily="34" charset="0"/>
                 <a:ea typeface="Tahoma" panose="020B0604030504040204" pitchFamily="34" charset="0"/>
                 <a:cs typeface="Tahoma" panose="020B0604030504040204" pitchFamily="34" charset="0"/>
@@ -11863,14 +12301,14 @@
               <a:buChar char="§"/>
             </a:pPr>
             <a:r>
-              <a:rPr lang="en-US" dirty="0" err="1" smtClean="0">
+              <a:rPr lang="en-US" dirty="0" err="1">
                 <a:latin typeface="Tahoma" panose="020B0604030504040204" pitchFamily="34" charset="0"/>
                 <a:ea typeface="Tahoma" panose="020B0604030504040204" pitchFamily="34" charset="0"/>
                 <a:cs typeface="Tahoma" panose="020B0604030504040204" pitchFamily="34" charset="0"/>
               </a:rPr>
               <a:t>Numpy</a:t>
             </a:r>
-            <a:endParaRPr lang="en-US" dirty="0" smtClean="0">
+            <a:endParaRPr lang="en-US" dirty="0">
               <a:latin typeface="Tahoma" panose="020B0604030504040204" pitchFamily="34" charset="0"/>
               <a:ea typeface="Tahoma" panose="020B0604030504040204" pitchFamily="34" charset="0"/>
               <a:cs typeface="Tahoma" panose="020B0604030504040204" pitchFamily="34" charset="0"/>
@@ -11882,7 +12320,7 @@
               <a:buChar char="§"/>
             </a:pPr>
             <a:r>
-              <a:rPr lang="en-US" dirty="0" smtClean="0">
+              <a:rPr lang="en-US" dirty="0">
                 <a:latin typeface="Tahoma" panose="020B0604030504040204" pitchFamily="34" charset="0"/>
                 <a:ea typeface="Tahoma" panose="020B0604030504040204" pitchFamily="34" charset="0"/>
                 <a:cs typeface="Tahoma" panose="020B0604030504040204" pitchFamily="34" charset="0"/>
@@ -11896,7 +12334,7 @@
               <a:buChar char="§"/>
             </a:pPr>
             <a:r>
-              <a:rPr lang="en-US" dirty="0" smtClean="0">
+              <a:rPr lang="en-US" dirty="0">
                 <a:latin typeface="Tahoma" panose="020B0604030504040204" pitchFamily="34" charset="0"/>
                 <a:ea typeface="Tahoma" panose="020B0604030504040204" pitchFamily="34" charset="0"/>
                 <a:cs typeface="Tahoma" panose="020B0604030504040204" pitchFamily="34" charset="0"/>
@@ -11910,7 +12348,7 @@
               <a:buChar char="§"/>
             </a:pPr>
             <a:r>
-              <a:rPr lang="en-US" dirty="0" smtClean="0">
+              <a:rPr lang="en-US" dirty="0">
                 <a:latin typeface="Tahoma" panose="020B0604030504040204" pitchFamily="34" charset="0"/>
                 <a:ea typeface="Tahoma" panose="020B0604030504040204" pitchFamily="34" charset="0"/>
                 <a:cs typeface="Tahoma" panose="020B0604030504040204" pitchFamily="34" charset="0"/>
@@ -11924,14 +12362,14 @@
               <a:buChar char="§"/>
             </a:pPr>
             <a:r>
-              <a:rPr lang="en-US" dirty="0" err="1" smtClean="0">
+              <a:rPr lang="en-US" dirty="0" err="1">
                 <a:latin typeface="Tahoma" panose="020B0604030504040204" pitchFamily="34" charset="0"/>
                 <a:ea typeface="Tahoma" panose="020B0604030504040204" pitchFamily="34" charset="0"/>
                 <a:cs typeface="Tahoma" panose="020B0604030504040204" pitchFamily="34" charset="0"/>
               </a:rPr>
               <a:t>Visdom</a:t>
             </a:r>
-            <a:endParaRPr lang="en-US" dirty="0" smtClean="0">
+            <a:endParaRPr lang="en-US" dirty="0">
               <a:latin typeface="Tahoma" panose="020B0604030504040204" pitchFamily="34" charset="0"/>
               <a:ea typeface="Tahoma" panose="020B0604030504040204" pitchFamily="34" charset="0"/>
               <a:cs typeface="Tahoma" panose="020B0604030504040204" pitchFamily="34" charset="0"/>
@@ -11943,7 +12381,7 @@
               <a:buChar char="§"/>
             </a:pPr>
             <a:r>
-              <a:rPr lang="en-US" dirty="0" err="1" smtClean="0">
+              <a:rPr lang="en-US" dirty="0" err="1">
                 <a:latin typeface="Tahoma" panose="020B0604030504040204" pitchFamily="34" charset="0"/>
                 <a:ea typeface="Tahoma" panose="020B0604030504040204" pitchFamily="34" charset="0"/>
                 <a:cs typeface="Tahoma" panose="020B0604030504040204" pitchFamily="34" charset="0"/>
@@ -11951,7 +12389,7 @@
               <a:t>Scikit</a:t>
             </a:r>
             <a:r>
-              <a:rPr lang="en-US" dirty="0" smtClean="0">
+              <a:rPr lang="en-US" dirty="0">
                 <a:latin typeface="Tahoma" panose="020B0604030504040204" pitchFamily="34" charset="0"/>
                 <a:ea typeface="Tahoma" panose="020B0604030504040204" pitchFamily="34" charset="0"/>
                 <a:cs typeface="Tahoma" panose="020B0604030504040204" pitchFamily="34" charset="0"/>
@@ -11965,7 +12403,7 @@
               <a:buChar char="§"/>
             </a:pPr>
             <a:r>
-              <a:rPr lang="en-US" dirty="0" err="1" smtClean="0">
+              <a:rPr lang="en-US" dirty="0" err="1">
                 <a:latin typeface="Tahoma" panose="020B0604030504040204" pitchFamily="34" charset="0"/>
                 <a:ea typeface="Tahoma" panose="020B0604030504040204" pitchFamily="34" charset="0"/>
                 <a:cs typeface="Tahoma" panose="020B0604030504040204" pitchFamily="34" charset="0"/>
@@ -11973,7 +12411,7 @@
               <a:t>Scikit</a:t>
             </a:r>
             <a:r>
-              <a:rPr lang="en-US" dirty="0" smtClean="0">
+              <a:rPr lang="en-US" dirty="0">
                 <a:latin typeface="Tahoma" panose="020B0604030504040204" pitchFamily="34" charset="0"/>
                 <a:ea typeface="Tahoma" panose="020B0604030504040204" pitchFamily="34" charset="0"/>
                 <a:cs typeface="Tahoma" panose="020B0604030504040204" pitchFamily="34" charset="0"/>
@@ -11987,14 +12425,14 @@
               <a:buChar char="§"/>
             </a:pPr>
             <a:r>
-              <a:rPr lang="en-US" dirty="0" err="1" smtClean="0">
+              <a:rPr lang="en-US" dirty="0" err="1">
                 <a:latin typeface="Tahoma" panose="020B0604030504040204" pitchFamily="34" charset="0"/>
                 <a:ea typeface="Tahoma" panose="020B0604030504040204" pitchFamily="34" charset="0"/>
                 <a:cs typeface="Tahoma" panose="020B0604030504040204" pitchFamily="34" charset="0"/>
               </a:rPr>
               <a:t>Pyyaml</a:t>
             </a:r>
-            <a:endParaRPr lang="en-US" dirty="0" smtClean="0">
+            <a:endParaRPr lang="en-US" dirty="0">
               <a:latin typeface="Tahoma" panose="020B0604030504040204" pitchFamily="34" charset="0"/>
               <a:ea typeface="Tahoma" panose="020B0604030504040204" pitchFamily="34" charset="0"/>
               <a:cs typeface="Tahoma" panose="020B0604030504040204" pitchFamily="34" charset="0"/>
@@ -12006,7 +12444,7 @@
               <a:buChar char="§"/>
             </a:pPr>
             <a:r>
-              <a:rPr lang="en-US" dirty="0" smtClean="0">
+              <a:rPr lang="en-US" dirty="0">
                 <a:latin typeface="Tahoma" panose="020B0604030504040204" pitchFamily="34" charset="0"/>
                 <a:ea typeface="Tahoma" panose="020B0604030504040204" pitchFamily="34" charset="0"/>
                 <a:cs typeface="Tahoma" panose="020B0604030504040204" pitchFamily="34" charset="0"/>
@@ -12020,14 +12458,14 @@
               <a:buChar char="§"/>
             </a:pPr>
             <a:r>
-              <a:rPr lang="en-US" dirty="0" err="1" smtClean="0">
+              <a:rPr lang="en-US" dirty="0" err="1">
                 <a:latin typeface="Tahoma" panose="020B0604030504040204" pitchFamily="34" charset="0"/>
                 <a:ea typeface="Tahoma" panose="020B0604030504040204" pitchFamily="34" charset="0"/>
                 <a:cs typeface="Tahoma" panose="020B0604030504040204" pitchFamily="34" charset="0"/>
               </a:rPr>
               <a:t>Tqdm</a:t>
             </a:r>
-            <a:endParaRPr lang="en-US" dirty="0" smtClean="0">
+            <a:endParaRPr lang="en-US" dirty="0">
               <a:latin typeface="Tahoma" panose="020B0604030504040204" pitchFamily="34" charset="0"/>
               <a:ea typeface="Tahoma" panose="020B0604030504040204" pitchFamily="34" charset="0"/>
               <a:cs typeface="Tahoma" panose="020B0604030504040204" pitchFamily="34" charset="0"/>
@@ -12039,7 +12477,7 @@
               <a:buChar char="§"/>
             </a:pPr>
             <a:r>
-              <a:rPr lang="en-US" dirty="0" err="1" smtClean="0">
+              <a:rPr lang="en-US" dirty="0" err="1">
                 <a:latin typeface="Tahoma" panose="020B0604030504040204" pitchFamily="34" charset="0"/>
                 <a:ea typeface="Tahoma" panose="020B0604030504040204" pitchFamily="34" charset="0"/>
                 <a:cs typeface="Tahoma" panose="020B0604030504040204" pitchFamily="34" charset="0"/>
@@ -12058,7 +12496,7 @@
               <a:buChar char="•"/>
             </a:pPr>
             <a:r>
-              <a:rPr lang="en-US" sz="2400" dirty="0" smtClean="0">
+              <a:rPr lang="en-US" sz="2400" dirty="0">
                 <a:latin typeface="Tahoma" panose="020B0604030504040204" pitchFamily="34" charset="0"/>
                 <a:ea typeface="Tahoma" panose="020B0604030504040204" pitchFamily="34" charset="0"/>
                 <a:cs typeface="Tahoma" panose="020B0604030504040204" pitchFamily="34" charset="0"/>
@@ -12066,7 +12504,7 @@
               <a:t>Source </a:t>
             </a:r>
             <a:r>
-              <a:rPr lang="en-US" sz="2400" dirty="0" err="1" smtClean="0">
+              <a:rPr lang="en-US" sz="2400" dirty="0" err="1">
                 <a:solidFill>
                   <a:srgbClr val="FF0000"/>
                 </a:solidFill>
@@ -12077,7 +12515,7 @@
               <a:t>xdibias</a:t>
             </a:r>
             <a:r>
-              <a:rPr lang="en-US" sz="2400" dirty="0" smtClean="0">
+              <a:rPr lang="en-US" sz="2400" dirty="0">
                 <a:latin typeface="Tahoma" panose="020B0604030504040204" pitchFamily="34" charset="0"/>
                 <a:ea typeface="Tahoma" panose="020B0604030504040204" pitchFamily="34" charset="0"/>
                 <a:cs typeface="Tahoma" panose="020B0604030504040204" pitchFamily="34" charset="0"/>
@@ -12085,7 +12523,7 @@
               <a:t>: </a:t>
             </a:r>
             <a:r>
-              <a:rPr lang="en-US" dirty="0" smtClean="0">
+              <a:rPr lang="en-US" dirty="0">
                 <a:solidFill>
                   <a:srgbClr val="00B050"/>
                 </a:solidFill>
@@ -12096,7 +12534,7 @@
               <a:t>‘$ source ~</a:t>
             </a:r>
             <a:r>
-              <a:rPr lang="en-US" dirty="0" err="1" smtClean="0">
+              <a:rPr lang="en-US" dirty="0" err="1">
                 <a:solidFill>
                   <a:srgbClr val="00B050"/>
                 </a:solidFill>
@@ -12107,7 +12545,7 @@
               <a:t>xdibias</a:t>
             </a:r>
             <a:r>
-              <a:rPr lang="en-US" dirty="0" smtClean="0">
+              <a:rPr lang="en-US" dirty="0">
                 <a:solidFill>
                   <a:srgbClr val="00B050"/>
                 </a:solidFill>
@@ -12130,13 +12568,6 @@
   <p:clrMapOvr>
     <a:masterClrMapping/>
   </p:clrMapOvr>
-  <p:timing>
-    <p:tnLst>
-      <p:par>
-        <p:cTn id="1" dur="indefinite" restart="never" nodeType="tmRoot"/>
-      </p:par>
-    </p:tnLst>
-  </p:timing>
 </p:sld>
 </file>
 
@@ -12240,7 +12671,7 @@
           <a:lstStyle/>
           <a:p>
             <a:r>
-              <a:rPr lang="en-US" sz="3200" dirty="0" smtClean="0">
+              <a:rPr lang="en-US" sz="3200" dirty="0">
                 <a:latin typeface="Tahoma" panose="020B0604030504040204" pitchFamily="34" charset="0"/>
                 <a:ea typeface="Tahoma" panose="020B0604030504040204" pitchFamily="34" charset="0"/>
                 <a:cs typeface="Tahoma" panose="020B0604030504040204" pitchFamily="34" charset="0"/>
@@ -12305,7 +12736,7 @@
               <a:buChar char="•"/>
             </a:pPr>
             <a:r>
-              <a:rPr lang="en-US" sz="2400" dirty="0" smtClean="0">
+              <a:rPr lang="en-US" sz="2400" dirty="0">
                 <a:latin typeface="Tahoma" panose="020B0604030504040204" pitchFamily="34" charset="0"/>
                 <a:ea typeface="Tahoma" panose="020B0604030504040204" pitchFamily="34" charset="0"/>
                 <a:cs typeface="Tahoma" panose="020B0604030504040204" pitchFamily="34" charset="0"/>
@@ -12313,7 +12744,7 @@
               <a:t>Source: .</a:t>
             </a:r>
             <a:r>
-              <a:rPr lang="en-US" sz="2400" dirty="0" err="1" smtClean="0">
+              <a:rPr lang="en-US" sz="2400" dirty="0" err="1">
                 <a:latin typeface="Tahoma" panose="020B0604030504040204" pitchFamily="34" charset="0"/>
                 <a:ea typeface="Tahoma" panose="020B0604030504040204" pitchFamily="34" charset="0"/>
                 <a:cs typeface="Tahoma" panose="020B0604030504040204" pitchFamily="34" charset="0"/>
@@ -12321,7 +12752,7 @@
               <a:t>dat</a:t>
             </a:r>
             <a:r>
-              <a:rPr lang="en-US" sz="2400" dirty="0" smtClean="0">
+              <a:rPr lang="en-US" sz="2400" dirty="0">
                 <a:latin typeface="Tahoma" panose="020B0604030504040204" pitchFamily="34" charset="0"/>
                 <a:ea typeface="Tahoma" panose="020B0604030504040204" pitchFamily="34" charset="0"/>
                 <a:cs typeface="Tahoma" panose="020B0604030504040204" pitchFamily="34" charset="0"/>
@@ -12337,13 +12768,6 @@
             </a:endParaRPr>
           </a:p>
           <a:p>
-            <a:endParaRPr lang="en-US" sz="2800" dirty="0" smtClean="0">
-              <a:latin typeface="Tahoma" panose="020B0604030504040204" pitchFamily="34" charset="0"/>
-              <a:ea typeface="Tahoma" panose="020B0604030504040204" pitchFamily="34" charset="0"/>
-              <a:cs typeface="Tahoma" panose="020B0604030504040204" pitchFamily="34" charset="0"/>
-            </a:endParaRPr>
-          </a:p>
-          <a:p>
             <a:endParaRPr lang="en-US" sz="2800" dirty="0">
               <a:latin typeface="Tahoma" panose="020B0604030504040204" pitchFamily="34" charset="0"/>
               <a:ea typeface="Tahoma" panose="020B0604030504040204" pitchFamily="34" charset="0"/>
@@ -12351,19 +12775,26 @@
             </a:endParaRPr>
           </a:p>
           <a:p>
-            <a:endParaRPr lang="en-US" sz="2800" dirty="0" smtClean="0">
+            <a:endParaRPr lang="en-US" sz="2800" dirty="0">
               <a:latin typeface="Tahoma" panose="020B0604030504040204" pitchFamily="34" charset="0"/>
               <a:ea typeface="Tahoma" panose="020B0604030504040204" pitchFamily="34" charset="0"/>
               <a:cs typeface="Tahoma" panose="020B0604030504040204" pitchFamily="34" charset="0"/>
             </a:endParaRPr>
           </a:p>
           <a:p>
+            <a:endParaRPr lang="en-US" sz="2800" dirty="0">
+              <a:latin typeface="Tahoma" panose="020B0604030504040204" pitchFamily="34" charset="0"/>
+              <a:ea typeface="Tahoma" panose="020B0604030504040204" pitchFamily="34" charset="0"/>
+              <a:cs typeface="Tahoma" panose="020B0604030504040204" pitchFamily="34" charset="0"/>
+            </a:endParaRPr>
+          </a:p>
+          <a:p>
             <a:pPr marL="342900" indent="-342900">
               <a:buFont typeface="Arial" panose="020B0604020202020204" pitchFamily="34" charset="0"/>
               <a:buChar char="•"/>
             </a:pPr>
             <a:r>
-              <a:rPr lang="en-US" sz="2400" dirty="0" smtClean="0">
+              <a:rPr lang="en-US" sz="2400" dirty="0">
                 <a:latin typeface="Tahoma" panose="020B0604030504040204" pitchFamily="34" charset="0"/>
                 <a:ea typeface="Tahoma" panose="020B0604030504040204" pitchFamily="34" charset="0"/>
                 <a:cs typeface="Tahoma" panose="020B0604030504040204" pitchFamily="34" charset="0"/>
@@ -12371,7 +12802,7 @@
               <a:t>Corner </a:t>
             </a:r>
             <a:r>
-              <a:rPr lang="en-US" altLang="zh-CN" sz="2400" dirty="0" smtClean="0">
+              <a:rPr lang="en-US" altLang="zh-CN" sz="2400" dirty="0">
                 <a:latin typeface="Tahoma" panose="020B0604030504040204" pitchFamily="34" charset="0"/>
                 <a:ea typeface="Tahoma" panose="020B0604030504040204" pitchFamily="34" charset="0"/>
                 <a:cs typeface="Tahoma" panose="020B0604030504040204" pitchFamily="34" charset="0"/>
@@ -12379,7 +12810,7 @@
               <a:t>Extraction: </a:t>
             </a:r>
             <a:r>
-              <a:rPr lang="en-US" altLang="zh-CN" sz="2400" dirty="0" smtClean="0">
+              <a:rPr lang="en-US" altLang="zh-CN" sz="2400" dirty="0">
                 <a:solidFill>
                   <a:srgbClr val="00B050"/>
                 </a:solidFill>
@@ -12399,13 +12830,6 @@
             </a:endParaRPr>
           </a:p>
           <a:p>
-            <a:endParaRPr lang="en-US" sz="2800" dirty="0" smtClean="0">
-              <a:latin typeface="Tahoma" panose="020B0604030504040204" pitchFamily="34" charset="0"/>
-              <a:ea typeface="Tahoma" panose="020B0604030504040204" pitchFamily="34" charset="0"/>
-              <a:cs typeface="Tahoma" panose="020B0604030504040204" pitchFamily="34" charset="0"/>
-            </a:endParaRPr>
-          </a:p>
-          <a:p>
             <a:endParaRPr lang="en-US" sz="2800" dirty="0">
               <a:latin typeface="Tahoma" panose="020B0604030504040204" pitchFamily="34" charset="0"/>
               <a:ea typeface="Tahoma" panose="020B0604030504040204" pitchFamily="34" charset="0"/>
@@ -12413,7 +12837,14 @@
             </a:endParaRPr>
           </a:p>
           <a:p>
-            <a:endParaRPr lang="en-US" sz="2800" dirty="0" smtClean="0">
+            <a:endParaRPr lang="en-US" sz="2800" dirty="0">
+              <a:latin typeface="Tahoma" panose="020B0604030504040204" pitchFamily="34" charset="0"/>
+              <a:ea typeface="Tahoma" panose="020B0604030504040204" pitchFamily="34" charset="0"/>
+              <a:cs typeface="Tahoma" panose="020B0604030504040204" pitchFamily="34" charset="0"/>
+            </a:endParaRPr>
+          </a:p>
+          <a:p>
+            <a:endParaRPr lang="en-US" sz="2800" dirty="0">
               <a:latin typeface="Tahoma" panose="020B0604030504040204" pitchFamily="34" charset="0"/>
               <a:ea typeface="Tahoma" panose="020B0604030504040204" pitchFamily="34" charset="0"/>
               <a:cs typeface="Tahoma" panose="020B0604030504040204" pitchFamily="34" charset="0"/>
@@ -12492,13 +12923,6 @@
   <p:clrMapOvr>
     <a:masterClrMapping/>
   </p:clrMapOvr>
-  <p:timing>
-    <p:tnLst>
-      <p:par>
-        <p:cTn id="1" dur="indefinite" restart="never" nodeType="tmRoot"/>
-      </p:par>
-    </p:tnLst>
-  </p:timing>
 </p:sld>
 </file>
 
@@ -12602,7 +13026,7 @@
           <a:lstStyle/>
           <a:p>
             <a:r>
-              <a:rPr lang="en-US" sz="3200" dirty="0" smtClean="0">
+              <a:rPr lang="en-US" sz="3200" dirty="0">
                 <a:latin typeface="Tahoma" panose="020B0604030504040204" pitchFamily="34" charset="0"/>
                 <a:ea typeface="Tahoma" panose="020B0604030504040204" pitchFamily="34" charset="0"/>
                 <a:cs typeface="Tahoma" panose="020B0604030504040204" pitchFamily="34" charset="0"/>
@@ -12667,7 +13091,7 @@
               <a:buChar char="•"/>
             </a:pPr>
             <a:r>
-              <a:rPr lang="en-US" sz="2400" dirty="0" smtClean="0">
+              <a:rPr lang="en-US" sz="2400" dirty="0">
                 <a:latin typeface="Tahoma" panose="020B0604030504040204" pitchFamily="34" charset="0"/>
                 <a:ea typeface="Tahoma" panose="020B0604030504040204" pitchFamily="34" charset="0"/>
                 <a:cs typeface="Tahoma" panose="020B0604030504040204" pitchFamily="34" charset="0"/>
@@ -12675,7 +13099,7 @@
               <a:t>Edge extraction: </a:t>
             </a:r>
             <a:r>
-              <a:rPr lang="en-US" sz="2400" dirty="0" smtClean="0">
+              <a:rPr lang="en-US" sz="2400" dirty="0">
                 <a:solidFill>
                   <a:srgbClr val="00B050"/>
                 </a:solidFill>
@@ -12687,55 +13111,6 @@
             </a:r>
           </a:p>
           <a:p>
-            <a:endParaRPr lang="en-US" sz="2800" dirty="0" smtClean="0">
-              <a:latin typeface="Tahoma" panose="020B0604030504040204" pitchFamily="34" charset="0"/>
-              <a:ea typeface="Tahoma" panose="020B0604030504040204" pitchFamily="34" charset="0"/>
-              <a:cs typeface="Tahoma" panose="020B0604030504040204" pitchFamily="34" charset="0"/>
-            </a:endParaRPr>
-          </a:p>
-          <a:p>
-            <a:endParaRPr lang="en-US" sz="2800" dirty="0" smtClean="0">
-              <a:latin typeface="Tahoma" panose="020B0604030504040204" pitchFamily="34" charset="0"/>
-              <a:ea typeface="Tahoma" panose="020B0604030504040204" pitchFamily="34" charset="0"/>
-              <a:cs typeface="Tahoma" panose="020B0604030504040204" pitchFamily="34" charset="0"/>
-            </a:endParaRPr>
-          </a:p>
-          <a:p>
-            <a:endParaRPr lang="en-US" sz="2800" dirty="0" smtClean="0">
-              <a:latin typeface="Tahoma" panose="020B0604030504040204" pitchFamily="34" charset="0"/>
-              <a:ea typeface="Tahoma" panose="020B0604030504040204" pitchFamily="34" charset="0"/>
-              <a:cs typeface="Tahoma" panose="020B0604030504040204" pitchFamily="34" charset="0"/>
-            </a:endParaRPr>
-          </a:p>
-          <a:p>
-            <a:endParaRPr lang="en-US" sz="2800" dirty="0" smtClean="0">
-              <a:latin typeface="Tahoma" panose="020B0604030504040204" pitchFamily="34" charset="0"/>
-              <a:ea typeface="Tahoma" panose="020B0604030504040204" pitchFamily="34" charset="0"/>
-              <a:cs typeface="Tahoma" panose="020B0604030504040204" pitchFamily="34" charset="0"/>
-            </a:endParaRPr>
-          </a:p>
-          <a:p>
-            <a:endParaRPr lang="en-US" sz="2800" dirty="0" smtClean="0">
-              <a:latin typeface="Tahoma" panose="020B0604030504040204" pitchFamily="34" charset="0"/>
-              <a:ea typeface="Tahoma" panose="020B0604030504040204" pitchFamily="34" charset="0"/>
-              <a:cs typeface="Tahoma" panose="020B0604030504040204" pitchFamily="34" charset="0"/>
-            </a:endParaRPr>
-          </a:p>
-          <a:p>
-            <a:endParaRPr lang="en-US" sz="2800" dirty="0" smtClean="0">
-              <a:latin typeface="Tahoma" panose="020B0604030504040204" pitchFamily="34" charset="0"/>
-              <a:ea typeface="Tahoma" panose="020B0604030504040204" pitchFamily="34" charset="0"/>
-              <a:cs typeface="Tahoma" panose="020B0604030504040204" pitchFamily="34" charset="0"/>
-            </a:endParaRPr>
-          </a:p>
-          <a:p>
-            <a:endParaRPr lang="en-US" sz="2800" dirty="0" smtClean="0">
-              <a:latin typeface="Tahoma" panose="020B0604030504040204" pitchFamily="34" charset="0"/>
-              <a:ea typeface="Tahoma" panose="020B0604030504040204" pitchFamily="34" charset="0"/>
-              <a:cs typeface="Tahoma" panose="020B0604030504040204" pitchFamily="34" charset="0"/>
-            </a:endParaRPr>
-          </a:p>
-          <a:p>
             <a:endParaRPr lang="en-US" sz="2800" dirty="0">
               <a:latin typeface="Tahoma" panose="020B0604030504040204" pitchFamily="34" charset="0"/>
               <a:ea typeface="Tahoma" panose="020B0604030504040204" pitchFamily="34" charset="0"/>
@@ -12743,14 +13118,63 @@
             </a:endParaRPr>
           </a:p>
           <a:p>
-            <a:endParaRPr lang="en-US" sz="2800" dirty="0" smtClean="0">
+            <a:endParaRPr lang="en-US" sz="2800" dirty="0">
               <a:latin typeface="Tahoma" panose="020B0604030504040204" pitchFamily="34" charset="0"/>
               <a:ea typeface="Tahoma" panose="020B0604030504040204" pitchFamily="34" charset="0"/>
               <a:cs typeface="Tahoma" panose="020B0604030504040204" pitchFamily="34" charset="0"/>
             </a:endParaRPr>
           </a:p>
           <a:p>
-            <a:endParaRPr lang="en-US" sz="2800" dirty="0" smtClean="0">
+            <a:endParaRPr lang="en-US" sz="2800" dirty="0">
+              <a:latin typeface="Tahoma" panose="020B0604030504040204" pitchFamily="34" charset="0"/>
+              <a:ea typeface="Tahoma" panose="020B0604030504040204" pitchFamily="34" charset="0"/>
+              <a:cs typeface="Tahoma" panose="020B0604030504040204" pitchFamily="34" charset="0"/>
+            </a:endParaRPr>
+          </a:p>
+          <a:p>
+            <a:endParaRPr lang="en-US" sz="2800" dirty="0">
+              <a:latin typeface="Tahoma" panose="020B0604030504040204" pitchFamily="34" charset="0"/>
+              <a:ea typeface="Tahoma" panose="020B0604030504040204" pitchFamily="34" charset="0"/>
+              <a:cs typeface="Tahoma" panose="020B0604030504040204" pitchFamily="34" charset="0"/>
+            </a:endParaRPr>
+          </a:p>
+          <a:p>
+            <a:endParaRPr lang="en-US" sz="2800" dirty="0">
+              <a:latin typeface="Tahoma" panose="020B0604030504040204" pitchFamily="34" charset="0"/>
+              <a:ea typeface="Tahoma" panose="020B0604030504040204" pitchFamily="34" charset="0"/>
+              <a:cs typeface="Tahoma" panose="020B0604030504040204" pitchFamily="34" charset="0"/>
+            </a:endParaRPr>
+          </a:p>
+          <a:p>
+            <a:endParaRPr lang="en-US" sz="2800" dirty="0">
+              <a:latin typeface="Tahoma" panose="020B0604030504040204" pitchFamily="34" charset="0"/>
+              <a:ea typeface="Tahoma" panose="020B0604030504040204" pitchFamily="34" charset="0"/>
+              <a:cs typeface="Tahoma" panose="020B0604030504040204" pitchFamily="34" charset="0"/>
+            </a:endParaRPr>
+          </a:p>
+          <a:p>
+            <a:endParaRPr lang="en-US" sz="2800" dirty="0">
+              <a:latin typeface="Tahoma" panose="020B0604030504040204" pitchFamily="34" charset="0"/>
+              <a:ea typeface="Tahoma" panose="020B0604030504040204" pitchFamily="34" charset="0"/>
+              <a:cs typeface="Tahoma" panose="020B0604030504040204" pitchFamily="34" charset="0"/>
+            </a:endParaRPr>
+          </a:p>
+          <a:p>
+            <a:endParaRPr lang="en-US" sz="2800" dirty="0">
+              <a:latin typeface="Tahoma" panose="020B0604030504040204" pitchFamily="34" charset="0"/>
+              <a:ea typeface="Tahoma" panose="020B0604030504040204" pitchFamily="34" charset="0"/>
+              <a:cs typeface="Tahoma" panose="020B0604030504040204" pitchFamily="34" charset="0"/>
+            </a:endParaRPr>
+          </a:p>
+          <a:p>
+            <a:endParaRPr lang="en-US" sz="2800" dirty="0">
+              <a:latin typeface="Tahoma" panose="020B0604030504040204" pitchFamily="34" charset="0"/>
+              <a:ea typeface="Tahoma" panose="020B0604030504040204" pitchFamily="34" charset="0"/>
+              <a:cs typeface="Tahoma" panose="020B0604030504040204" pitchFamily="34" charset="0"/>
+            </a:endParaRPr>
+          </a:p>
+          <a:p>
+            <a:endParaRPr lang="en-US" sz="2800" dirty="0">
               <a:latin typeface="Tahoma" panose="020B0604030504040204" pitchFamily="34" charset="0"/>
               <a:ea typeface="Tahoma" panose="020B0604030504040204" pitchFamily="34" charset="0"/>
               <a:cs typeface="Tahoma" panose="020B0604030504040204" pitchFamily="34" charset="0"/>
@@ -12865,13 +13289,6 @@
   <p:clrMapOvr>
     <a:masterClrMapping/>
   </p:clrMapOvr>
-  <p:timing>
-    <p:tnLst>
-      <p:par>
-        <p:cTn id="1" dur="indefinite" restart="never" nodeType="tmRoot"/>
-      </p:par>
-    </p:tnLst>
-  </p:timing>
 </p:sld>
 </file>
 
@@ -12975,7 +13392,7 @@
           <a:lstStyle/>
           <a:p>
             <a:r>
-              <a:rPr lang="en-US" sz="3200" dirty="0" smtClean="0">
+              <a:rPr lang="en-US" sz="3200" dirty="0">
                 <a:latin typeface="Tahoma" panose="020B0604030504040204" pitchFamily="34" charset="0"/>
                 <a:ea typeface="Tahoma" panose="020B0604030504040204" pitchFamily="34" charset="0"/>
                 <a:cs typeface="Tahoma" panose="020B0604030504040204" pitchFamily="34" charset="0"/>
@@ -13040,7 +13457,7 @@
               <a:buChar char="•"/>
             </a:pPr>
             <a:r>
-              <a:rPr lang="en-US" sz="2400" dirty="0" smtClean="0">
+              <a:rPr lang="en-US" sz="2400" dirty="0">
                 <a:latin typeface="Tahoma" panose="020B0604030504040204" pitchFamily="34" charset="0"/>
                 <a:ea typeface="Tahoma" panose="020B0604030504040204" pitchFamily="34" charset="0"/>
                 <a:cs typeface="Tahoma" panose="020B0604030504040204" pitchFamily="34" charset="0"/>
@@ -13048,7 +13465,7 @@
               <a:t>Instance extraction: </a:t>
             </a:r>
             <a:r>
-              <a:rPr lang="en-US" sz="2400" dirty="0" smtClean="0">
+              <a:rPr lang="en-US" sz="2400" dirty="0">
                 <a:solidFill>
                   <a:srgbClr val="00B050"/>
                 </a:solidFill>
@@ -13058,7 +13475,7 @@
               </a:rPr>
               <a:t>instanceGT.py</a:t>
             </a:r>
-            <a:endParaRPr lang="en-US" sz="2400" dirty="0" smtClean="0">
+            <a:endParaRPr lang="en-US" sz="2400" dirty="0">
               <a:latin typeface="Tahoma" panose="020B0604030504040204" pitchFamily="34" charset="0"/>
               <a:ea typeface="Tahoma" panose="020B0604030504040204" pitchFamily="34" charset="0"/>
               <a:cs typeface="Tahoma" panose="020B0604030504040204" pitchFamily="34" charset="0"/>
@@ -13072,13 +13489,6 @@
             </a:endParaRPr>
           </a:p>
           <a:p>
-            <a:endParaRPr lang="en-US" sz="2800" dirty="0" smtClean="0">
-              <a:latin typeface="Tahoma" panose="020B0604030504040204" pitchFamily="34" charset="0"/>
-              <a:ea typeface="Tahoma" panose="020B0604030504040204" pitchFamily="34" charset="0"/>
-              <a:cs typeface="Tahoma" panose="020B0604030504040204" pitchFamily="34" charset="0"/>
-            </a:endParaRPr>
-          </a:p>
-          <a:p>
             <a:endParaRPr lang="en-US" sz="2800" dirty="0">
               <a:latin typeface="Tahoma" panose="020B0604030504040204" pitchFamily="34" charset="0"/>
               <a:ea typeface="Tahoma" panose="020B0604030504040204" pitchFamily="34" charset="0"/>
@@ -13086,20 +13496,6 @@
             </a:endParaRPr>
           </a:p>
           <a:p>
-            <a:endParaRPr lang="en-US" sz="2800" dirty="0" smtClean="0">
-              <a:latin typeface="Tahoma" panose="020B0604030504040204" pitchFamily="34" charset="0"/>
-              <a:ea typeface="Tahoma" panose="020B0604030504040204" pitchFamily="34" charset="0"/>
-              <a:cs typeface="Tahoma" panose="020B0604030504040204" pitchFamily="34" charset="0"/>
-            </a:endParaRPr>
-          </a:p>
-          <a:p>
-            <a:endParaRPr lang="en-US" sz="2800" dirty="0" smtClean="0">
-              <a:latin typeface="Tahoma" panose="020B0604030504040204" pitchFamily="34" charset="0"/>
-              <a:ea typeface="Tahoma" panose="020B0604030504040204" pitchFamily="34" charset="0"/>
-              <a:cs typeface="Tahoma" panose="020B0604030504040204" pitchFamily="34" charset="0"/>
-            </a:endParaRPr>
-          </a:p>
-          <a:p>
             <a:endParaRPr lang="en-US" sz="2800" dirty="0">
               <a:latin typeface="Tahoma" panose="020B0604030504040204" pitchFamily="34" charset="0"/>
               <a:ea typeface="Tahoma" panose="020B0604030504040204" pitchFamily="34" charset="0"/>
@@ -13114,13 +13510,6 @@
             </a:endParaRPr>
           </a:p>
           <a:p>
-            <a:endParaRPr lang="en-US" sz="2800" dirty="0" smtClean="0">
-              <a:latin typeface="Tahoma" panose="020B0604030504040204" pitchFamily="34" charset="0"/>
-              <a:ea typeface="Tahoma" panose="020B0604030504040204" pitchFamily="34" charset="0"/>
-              <a:cs typeface="Tahoma" panose="020B0604030504040204" pitchFamily="34" charset="0"/>
-            </a:endParaRPr>
-          </a:p>
-          <a:p>
             <a:endParaRPr lang="en-US" sz="2800" dirty="0">
               <a:latin typeface="Tahoma" panose="020B0604030504040204" pitchFamily="34" charset="0"/>
               <a:ea typeface="Tahoma" panose="020B0604030504040204" pitchFamily="34" charset="0"/>
@@ -13128,7 +13517,35 @@
             </a:endParaRPr>
           </a:p>
           <a:p>
-            <a:endParaRPr lang="en-US" sz="2800" dirty="0" smtClean="0">
+            <a:endParaRPr lang="en-US" sz="2800" dirty="0">
+              <a:latin typeface="Tahoma" panose="020B0604030504040204" pitchFamily="34" charset="0"/>
+              <a:ea typeface="Tahoma" panose="020B0604030504040204" pitchFamily="34" charset="0"/>
+              <a:cs typeface="Tahoma" panose="020B0604030504040204" pitchFamily="34" charset="0"/>
+            </a:endParaRPr>
+          </a:p>
+          <a:p>
+            <a:endParaRPr lang="en-US" sz="2800" dirty="0">
+              <a:latin typeface="Tahoma" panose="020B0604030504040204" pitchFamily="34" charset="0"/>
+              <a:ea typeface="Tahoma" panose="020B0604030504040204" pitchFamily="34" charset="0"/>
+              <a:cs typeface="Tahoma" panose="020B0604030504040204" pitchFamily="34" charset="0"/>
+            </a:endParaRPr>
+          </a:p>
+          <a:p>
+            <a:endParaRPr lang="en-US" sz="2800" dirty="0">
+              <a:latin typeface="Tahoma" panose="020B0604030504040204" pitchFamily="34" charset="0"/>
+              <a:ea typeface="Tahoma" panose="020B0604030504040204" pitchFamily="34" charset="0"/>
+              <a:cs typeface="Tahoma" panose="020B0604030504040204" pitchFamily="34" charset="0"/>
+            </a:endParaRPr>
+          </a:p>
+          <a:p>
+            <a:endParaRPr lang="en-US" sz="2800" dirty="0">
+              <a:latin typeface="Tahoma" panose="020B0604030504040204" pitchFamily="34" charset="0"/>
+              <a:ea typeface="Tahoma" panose="020B0604030504040204" pitchFamily="34" charset="0"/>
+              <a:cs typeface="Tahoma" panose="020B0604030504040204" pitchFamily="34" charset="0"/>
+            </a:endParaRPr>
+          </a:p>
+          <a:p>
+            <a:endParaRPr lang="en-US" sz="2800" dirty="0">
               <a:latin typeface="Tahoma" panose="020B0604030504040204" pitchFamily="34" charset="0"/>
               <a:ea typeface="Tahoma" panose="020B0604030504040204" pitchFamily="34" charset="0"/>
               <a:cs typeface="Tahoma" panose="020B0604030504040204" pitchFamily="34" charset="0"/>
@@ -13241,13 +13658,6 @@
   <p:clrMapOvr>
     <a:masterClrMapping/>
   </p:clrMapOvr>
-  <p:timing>
-    <p:tnLst>
-      <p:par>
-        <p:cTn id="1" dur="indefinite" restart="never" nodeType="tmRoot"/>
-      </p:par>
-    </p:tnLst>
-  </p:timing>
 </p:sld>
 </file>
 
@@ -13351,7 +13761,7 @@
           <a:lstStyle/>
           <a:p>
             <a:r>
-              <a:rPr lang="en-US" sz="3200" dirty="0" smtClean="0">
+              <a:rPr lang="en-US" sz="3200" dirty="0">
                 <a:latin typeface="Tahoma" panose="020B0604030504040204" pitchFamily="34" charset="0"/>
                 <a:ea typeface="Tahoma" panose="020B0604030504040204" pitchFamily="34" charset="0"/>
                 <a:cs typeface="Tahoma" panose="020B0604030504040204" pitchFamily="34" charset="0"/>
@@ -13412,7 +13822,7 @@
           <a:lstStyle/>
           <a:p>
             <a:r>
-              <a:rPr lang="en-US" sz="2800" dirty="0" smtClean="0">
+              <a:rPr lang="en-US" sz="2800" dirty="0">
                 <a:latin typeface="Tahoma" panose="020B0604030504040204" pitchFamily="34" charset="0"/>
                 <a:ea typeface="Tahoma" panose="020B0604030504040204" pitchFamily="34" charset="0"/>
                 <a:cs typeface="Tahoma" panose="020B0604030504040204" pitchFamily="34" charset="0"/>
@@ -13426,7 +13836,7 @@
               <a:buChar char="•"/>
             </a:pPr>
             <a:r>
-              <a:rPr lang="en-US" sz="2800" dirty="0" smtClean="0">
+              <a:rPr lang="en-US" sz="2800" dirty="0">
                 <a:latin typeface="Tahoma" panose="020B0604030504040204" pitchFamily="34" charset="0"/>
                 <a:ea typeface="Tahoma" panose="020B0604030504040204" pitchFamily="34" charset="0"/>
                 <a:cs typeface="Tahoma" panose="020B0604030504040204" pitchFamily="34" charset="0"/>
@@ -13442,7 +13852,7 @@
             </a:endParaRPr>
           </a:p>
           <a:p>
-            <a:endParaRPr lang="en-US" sz="2800" dirty="0" smtClean="0">
+            <a:endParaRPr lang="en-US" sz="2800" dirty="0">
               <a:latin typeface="Tahoma" panose="020B0604030504040204" pitchFamily="34" charset="0"/>
               <a:ea typeface="Tahoma" panose="020B0604030504040204" pitchFamily="34" charset="0"/>
               <a:cs typeface="Tahoma" panose="020B0604030504040204" pitchFamily="34" charset="0"/>
@@ -13454,7 +13864,7 @@
               <a:buChar char="•"/>
             </a:pPr>
             <a:r>
-              <a:rPr lang="en-US" sz="2800" dirty="0" smtClean="0">
+              <a:rPr lang="en-US" sz="2800" dirty="0">
                 <a:latin typeface="Tahoma" panose="020B0604030504040204" pitchFamily="34" charset="0"/>
                 <a:ea typeface="Tahoma" panose="020B0604030504040204" pitchFamily="34" charset="0"/>
                 <a:cs typeface="Tahoma" panose="020B0604030504040204" pitchFamily="34" charset="0"/>
@@ -13468,7 +13878,7 @@
               <a:buChar char="•"/>
             </a:pPr>
             <a:r>
-              <a:rPr lang="en-US" sz="2800" dirty="0" smtClean="0">
+              <a:rPr lang="en-US" sz="2800" dirty="0">
                 <a:latin typeface="Tahoma" panose="020B0604030504040204" pitchFamily="34" charset="0"/>
                 <a:ea typeface="Tahoma" panose="020B0604030504040204" pitchFamily="34" charset="0"/>
                 <a:cs typeface="Tahoma" panose="020B0604030504040204" pitchFamily="34" charset="0"/>
@@ -13482,7 +13892,7 @@
               <a:buChar char="•"/>
             </a:pPr>
             <a:r>
-              <a:rPr lang="en-US" sz="2800" dirty="0" smtClean="0">
+              <a:rPr lang="en-US" sz="2800" dirty="0">
                 <a:latin typeface="Tahoma" panose="020B0604030504040204" pitchFamily="34" charset="0"/>
                 <a:ea typeface="Tahoma" panose="020B0604030504040204" pitchFamily="34" charset="0"/>
                 <a:cs typeface="Tahoma" panose="020B0604030504040204" pitchFamily="34" charset="0"/>
@@ -13500,7 +13910,7 @@
           </a:p>
           <a:p>
             <a:r>
-              <a:rPr lang="en-US" sz="2800" dirty="0" smtClean="0">
+              <a:rPr lang="en-US" sz="2800" dirty="0">
                 <a:latin typeface="Tahoma" panose="020B0604030504040204" pitchFamily="34" charset="0"/>
                 <a:ea typeface="Tahoma" panose="020B0604030504040204" pitchFamily="34" charset="0"/>
                 <a:cs typeface="Tahoma" panose="020B0604030504040204" pitchFamily="34" charset="0"/>
@@ -13508,7 +13918,7 @@
               <a:t>2. Exported </a:t>
             </a:r>
             <a:r>
-              <a:rPr lang="en-US" sz="2800" dirty="0" err="1" smtClean="0">
+              <a:rPr lang="en-US" sz="2800" dirty="0" err="1">
                 <a:latin typeface="Tahoma" panose="020B0604030504040204" pitchFamily="34" charset="0"/>
                 <a:ea typeface="Tahoma" panose="020B0604030504040204" pitchFamily="34" charset="0"/>
                 <a:cs typeface="Tahoma" panose="020B0604030504040204" pitchFamily="34" charset="0"/>
@@ -13516,7 +13926,7 @@
               <a:t>xdibias</a:t>
             </a:r>
             <a:r>
-              <a:rPr lang="en-US" sz="2800" dirty="0" smtClean="0">
+              <a:rPr lang="en-US" sz="2800" dirty="0">
                 <a:latin typeface="Tahoma" panose="020B0604030504040204" pitchFamily="34" charset="0"/>
                 <a:ea typeface="Tahoma" panose="020B0604030504040204" pitchFamily="34" charset="0"/>
                 <a:cs typeface="Tahoma" panose="020B0604030504040204" pitchFamily="34" charset="0"/>
@@ -13530,7 +13940,7 @@
               <a:buChar char="•"/>
             </a:pPr>
             <a:r>
-              <a:rPr lang="en-US" sz="2800" dirty="0" err="1" smtClean="0">
+              <a:rPr lang="en-US" sz="2800" dirty="0" err="1">
                 <a:latin typeface="Tahoma" panose="020B0604030504040204" pitchFamily="34" charset="0"/>
                 <a:ea typeface="Tahoma" panose="020B0604030504040204" pitchFamily="34" charset="0"/>
                 <a:cs typeface="Tahoma" panose="020B0604030504040204" pitchFamily="34" charset="0"/>
@@ -13538,21 +13948,16 @@
               <a:t>Xdibias</a:t>
             </a:r>
             <a:r>
-              <a:rPr lang="en-US" sz="2800" dirty="0" smtClean="0">
+              <a:rPr lang="en-US" sz="2800" dirty="0">
                 <a:latin typeface="Tahoma" panose="020B0604030504040204" pitchFamily="34" charset="0"/>
                 <a:ea typeface="Tahoma" panose="020B0604030504040204" pitchFamily="34" charset="0"/>
                 <a:cs typeface="Tahoma" panose="020B0604030504040204" pitchFamily="34" charset="0"/>
               </a:rPr>
               <a:t> tutorial/documentation?</a:t>
             </a:r>
+          </a:p>
+          <a:p>
             <a:endParaRPr lang="en-US" sz="2800" dirty="0">
-              <a:latin typeface="Tahoma" panose="020B0604030504040204" pitchFamily="34" charset="0"/>
-              <a:ea typeface="Tahoma" panose="020B0604030504040204" pitchFamily="34" charset="0"/>
-              <a:cs typeface="Tahoma" panose="020B0604030504040204" pitchFamily="34" charset="0"/>
-            </a:endParaRPr>
-          </a:p>
-          <a:p>
-            <a:endParaRPr lang="en-US" sz="2800" dirty="0" smtClean="0">
               <a:latin typeface="Tahoma" panose="020B0604030504040204" pitchFamily="34" charset="0"/>
               <a:ea typeface="Tahoma" panose="020B0604030504040204" pitchFamily="34" charset="0"/>
               <a:cs typeface="Tahoma" panose="020B0604030504040204" pitchFamily="34" charset="0"/>
@@ -13597,11 +14002,11 @@
             <a:lstStyle/>
             <a:p>
               <a:r>
-                <a:rPr lang="en-US" sz="2000" dirty="0" smtClean="0"/>
+                <a:rPr lang="en-US" sz="2000" dirty="0"/>
                 <a:t>.</a:t>
               </a:r>
               <a:r>
-                <a:rPr lang="en-US" sz="2000" dirty="0" err="1" smtClean="0"/>
+                <a:rPr lang="en-US" sz="2000" dirty="0" err="1"/>
                 <a:t>dat</a:t>
               </a:r>
               <a:endParaRPr lang="en-US" sz="2000" dirty="0"/>
@@ -13697,18 +14102,17 @@
             <a:lstStyle/>
             <a:p>
               <a:r>
-                <a:rPr lang="en-US" dirty="0" smtClean="0"/>
+                <a:rPr lang="en-US" dirty="0"/>
                 <a:t>Img1: building instances (1,2,3,</a:t>
               </a:r>
               <a:r>
-                <a:rPr lang="en-DE" dirty="0" smtClean="0"/>
+                <a:rPr lang="en-DE" dirty="0"/>
                 <a:t>…</a:t>
               </a:r>
               <a:r>
-                <a:rPr lang="en-US" dirty="0" smtClean="0"/>
+                <a:rPr lang="en-US" dirty="0"/>
                 <a:t>)</a:t>
               </a:r>
-              <a:endParaRPr lang="en-US" dirty="0"/>
             </a:p>
           </p:txBody>
         </p:sp>
@@ -13735,10 +14139,9 @@
             <a:lstStyle/>
             <a:p>
               <a:r>
-                <a:rPr lang="en-US" dirty="0" smtClean="0"/>
+                <a:rPr lang="en-US" dirty="0"/>
                 <a:t>Img2: building edges (corner--1 / edge--2)</a:t>
               </a:r>
-              <a:endParaRPr lang="en-US" dirty="0"/>
             </a:p>
           </p:txBody>
         </p:sp>
@@ -13753,13 +14156,6 @@
   <p:clrMapOvr>
     <a:masterClrMapping/>
   </p:clrMapOvr>
-  <p:timing>
-    <p:tnLst>
-      <p:par>
-        <p:cTn id="1" dur="indefinite" restart="never" nodeType="tmRoot"/>
-      </p:par>
-    </p:tnLst>
-  </p:timing>
 </p:sld>
 </file>
 
@@ -13863,7 +14259,7 @@
           <a:lstStyle/>
           <a:p>
             <a:r>
-              <a:rPr lang="en-US" sz="3200" dirty="0" smtClean="0">
+              <a:rPr lang="en-US" sz="3200" dirty="0">
                 <a:latin typeface="Tahoma" panose="020B0604030504040204" pitchFamily="34" charset="0"/>
                 <a:ea typeface="Tahoma" panose="020B0604030504040204" pitchFamily="34" charset="0"/>
                 <a:cs typeface="Tahoma" panose="020B0604030504040204" pitchFamily="34" charset="0"/>
@@ -13924,7 +14320,7 @@
           <a:lstStyle/>
           <a:p>
             <a:r>
-              <a:rPr lang="en-US" sz="2800" dirty="0" smtClean="0">
+              <a:rPr lang="en-US" sz="2800" dirty="0">
                 <a:latin typeface="Tahoma" panose="020B0604030504040204" pitchFamily="34" charset="0"/>
                 <a:ea typeface="Tahoma" panose="020B0604030504040204" pitchFamily="34" charset="0"/>
                 <a:cs typeface="Tahoma" panose="020B0604030504040204" pitchFamily="34" charset="0"/>
@@ -13932,7 +14328,7 @@
               <a:t>3. </a:t>
             </a:r>
             <a:r>
-              <a:rPr lang="en-US" sz="2800" dirty="0" err="1" smtClean="0">
+              <a:rPr lang="en-US" sz="2800" dirty="0" err="1">
                 <a:latin typeface="Tahoma" panose="020B0604030504040204" pitchFamily="34" charset="0"/>
                 <a:ea typeface="Tahoma" panose="020B0604030504040204" pitchFamily="34" charset="0"/>
                 <a:cs typeface="Tahoma" panose="020B0604030504040204" pitchFamily="34" charset="0"/>
@@ -13940,7 +14336,7 @@
               <a:t>Visdom</a:t>
             </a:r>
             <a:r>
-              <a:rPr lang="en-US" sz="2800" dirty="0" smtClean="0">
+              <a:rPr lang="en-US" sz="2800" dirty="0">
                 <a:latin typeface="Tahoma" panose="020B0604030504040204" pitchFamily="34" charset="0"/>
                 <a:ea typeface="Tahoma" panose="020B0604030504040204" pitchFamily="34" charset="0"/>
                 <a:cs typeface="Tahoma" panose="020B0604030504040204" pitchFamily="34" charset="0"/>
@@ -13963,15 +14359,7 @@
                 <a:ea typeface="Tahoma" panose="020B0604030504040204" pitchFamily="34" charset="0"/>
                 <a:cs typeface="Tahoma" panose="020B0604030504040204" pitchFamily="34" charset="0"/>
               </a:rPr>
-              <a:t>4</a:t>
-            </a:r>
-            <a:r>
-              <a:rPr lang="en-US" sz="2800" dirty="0" smtClean="0">
-                <a:latin typeface="Tahoma" panose="020B0604030504040204" pitchFamily="34" charset="0"/>
-                <a:ea typeface="Tahoma" panose="020B0604030504040204" pitchFamily="34" charset="0"/>
-                <a:cs typeface="Tahoma" panose="020B0604030504040204" pitchFamily="34" charset="0"/>
-              </a:rPr>
-              <a:t>. When remote training:</a:t>
+              <a:t>4. When remote training:</a:t>
             </a:r>
           </a:p>
           <a:p>
@@ -13980,7 +14368,7 @@
               <a:buChar char="•"/>
             </a:pPr>
             <a:r>
-              <a:rPr lang="en-US" sz="2800" dirty="0" smtClean="0">
+              <a:rPr lang="en-US" sz="2800" dirty="0">
                 <a:latin typeface="Tahoma" panose="020B0604030504040204" pitchFamily="34" charset="0"/>
                 <a:ea typeface="Tahoma" panose="020B0604030504040204" pitchFamily="34" charset="0"/>
                 <a:cs typeface="Tahoma" panose="020B0604030504040204" pitchFamily="34" charset="0"/>
@@ -13994,7 +14382,7 @@
               <a:buChar char="•"/>
             </a:pPr>
             <a:r>
-              <a:rPr lang="en-US" sz="2800" dirty="0" smtClean="0">
+              <a:rPr lang="en-US" sz="2800" dirty="0">
                 <a:latin typeface="Tahoma" panose="020B0604030504040204" pitchFamily="34" charset="0"/>
                 <a:ea typeface="Tahoma" panose="020B0604030504040204" pitchFamily="34" charset="0"/>
                 <a:cs typeface="Tahoma" panose="020B0604030504040204" pitchFamily="34" charset="0"/>
@@ -14012,7 +14400,7 @@
           </a:p>
           <a:p>
             <a:r>
-              <a:rPr lang="en-US" sz="2800" dirty="0" smtClean="0">
+              <a:rPr lang="en-US" sz="2800" dirty="0">
                 <a:latin typeface="Tahoma" panose="020B0604030504040204" pitchFamily="34" charset="0"/>
                 <a:ea typeface="Tahoma" panose="020B0604030504040204" pitchFamily="34" charset="0"/>
                 <a:cs typeface="Tahoma" panose="020B0604030504040204" pitchFamily="34" charset="0"/>
@@ -14020,7 +14408,7 @@
               <a:t>5. Is </a:t>
             </a:r>
             <a:r>
-              <a:rPr lang="en-US" sz="2800" dirty="0" err="1" smtClean="0">
+              <a:rPr lang="en-US" sz="2800" dirty="0" err="1">
                 <a:latin typeface="Tahoma" panose="020B0604030504040204" pitchFamily="34" charset="0"/>
                 <a:ea typeface="Tahoma" panose="020B0604030504040204" pitchFamily="34" charset="0"/>
                 <a:cs typeface="Tahoma" panose="020B0604030504040204" pitchFamily="34" charset="0"/>
@@ -14028,18 +14416,13 @@
               <a:t>xdibias</a:t>
             </a:r>
             <a:r>
-              <a:rPr lang="en-US" sz="2800" dirty="0" smtClean="0">
+              <a:rPr lang="en-US" sz="2800" dirty="0">
                 <a:latin typeface="Tahoma" panose="020B0604030504040204" pitchFamily="34" charset="0"/>
                 <a:ea typeface="Tahoma" panose="020B0604030504040204" pitchFamily="34" charset="0"/>
                 <a:cs typeface="Tahoma" panose="020B0604030504040204" pitchFamily="34" charset="0"/>
               </a:rPr>
               <a:t> DLR-private? Can I install this package on my own PC?</a:t>
             </a:r>
-            <a:endParaRPr lang="en-US" sz="2800" dirty="0">
-              <a:latin typeface="Tahoma" panose="020B0604030504040204" pitchFamily="34" charset="0"/>
-              <a:ea typeface="Tahoma" panose="020B0604030504040204" pitchFamily="34" charset="0"/>
-              <a:cs typeface="Tahoma" panose="020B0604030504040204" pitchFamily="34" charset="0"/>
-            </a:endParaRPr>
           </a:p>
         </p:txBody>
       </p:sp>
@@ -14053,13 +14436,6 @@
   <p:clrMapOvr>
     <a:masterClrMapping/>
   </p:clrMapOvr>
-  <p:timing>
-    <p:tnLst>
-      <p:par>
-        <p:cTn id="1" dur="indefinite" restart="never" nodeType="tmRoot"/>
-      </p:par>
-    </p:tnLst>
-  </p:timing>
 </p:sld>
 </file>
 
@@ -14163,7 +14539,7 @@
           <a:lstStyle/>
           <a:p>
             <a:r>
-              <a:rPr lang="en-US" sz="3200" dirty="0" smtClean="0">
+              <a:rPr lang="en-US" sz="3200" dirty="0">
                 <a:latin typeface="Tahoma" panose="020B0604030504040204" pitchFamily="34" charset="0"/>
                 <a:ea typeface="Tahoma" panose="020B0604030504040204" pitchFamily="34" charset="0"/>
                 <a:cs typeface="Tahoma" panose="020B0604030504040204" pitchFamily="34" charset="0"/>
@@ -14228,7 +14604,7 @@
               <a:buChar char="•"/>
             </a:pPr>
             <a:r>
-              <a:rPr lang="en-US" sz="2800" dirty="0" smtClean="0">
+              <a:rPr lang="en-US" sz="2800" dirty="0">
                 <a:latin typeface="Tahoma" panose="020B0604030504040204" pitchFamily="34" charset="0"/>
                 <a:ea typeface="Tahoma" panose="020B0604030504040204" pitchFamily="34" charset="0"/>
                 <a:cs typeface="Tahoma" panose="020B0604030504040204" pitchFamily="34" charset="0"/>
@@ -14241,7 +14617,7 @@
               <a:buFont typeface="Arial" panose="020B0604020202020204" pitchFamily="34" charset="0"/>
               <a:buChar char="•"/>
             </a:pPr>
-            <a:endParaRPr lang="en-US" sz="2800" dirty="0" smtClean="0">
+            <a:endParaRPr lang="en-US" sz="2800" dirty="0">
               <a:latin typeface="Tahoma" panose="020B0604030504040204" pitchFamily="34" charset="0"/>
               <a:ea typeface="Tahoma" panose="020B0604030504040204" pitchFamily="34" charset="0"/>
               <a:cs typeface="Tahoma" panose="020B0604030504040204" pitchFamily="34" charset="0"/>
@@ -14253,7 +14629,7 @@
               <a:buChar char="•"/>
             </a:pPr>
             <a:r>
-              <a:rPr lang="en-US" sz="2800" dirty="0" smtClean="0">
+              <a:rPr lang="en-US" sz="2800" dirty="0">
                 <a:latin typeface="Tahoma" panose="020B0604030504040204" pitchFamily="34" charset="0"/>
                 <a:ea typeface="Tahoma" panose="020B0604030504040204" pitchFamily="34" charset="0"/>
                 <a:cs typeface="Tahoma" panose="020B0604030504040204" pitchFamily="34" charset="0"/>
@@ -14261,7 +14637,7 @@
               <a:t>Read, understand and experiment with Coupled-</a:t>
             </a:r>
             <a:r>
-              <a:rPr lang="en-US" sz="2800" dirty="0" err="1" smtClean="0">
+              <a:rPr lang="en-US" sz="2800" dirty="0" err="1">
                 <a:latin typeface="Tahoma" panose="020B0604030504040204" pitchFamily="34" charset="0"/>
                 <a:ea typeface="Tahoma" panose="020B0604030504040204" pitchFamily="34" charset="0"/>
                 <a:cs typeface="Tahoma" panose="020B0604030504040204" pitchFamily="34" charset="0"/>
@@ -14269,7 +14645,7 @@
               <a:t>cGAN</a:t>
             </a:r>
             <a:r>
-              <a:rPr lang="en-US" sz="2800" dirty="0" smtClean="0">
+              <a:rPr lang="en-US" sz="2800" dirty="0">
                 <a:latin typeface="Tahoma" panose="020B0604030504040204" pitchFamily="34" charset="0"/>
                 <a:ea typeface="Tahoma" panose="020B0604030504040204" pitchFamily="34" charset="0"/>
                 <a:cs typeface="Tahoma" panose="020B0604030504040204" pitchFamily="34" charset="0"/>
@@ -14289,13 +14665,6 @@
   <p:clrMapOvr>
     <a:masterClrMapping/>
   </p:clrMapOvr>
-  <p:timing>
-    <p:tnLst>
-      <p:par>
-        <p:cTn id="1" dur="indefinite" restart="never" nodeType="tmRoot"/>
-      </p:par>
-    </p:tnLst>
-  </p:timing>
 </p:sld>
 </file>
 
